--- a/畢業論文/PPT/p.pptx
+++ b/畢業論文/PPT/p.pptx
@@ -202,7 +202,7 @@
           <a:p>
             <a:fld id="{5BEB3125-F266-49DD-A36E-31ABB886EFD6}" type="datetimeFigureOut">
               <a:rPr lang="zh-CN" altLang="en-US" smtClean="0"/>
-              <a:t>2024/11/12</a:t>
+              <a:t>2024/12/2</a:t>
             </a:fld>
             <a:endParaRPr lang="zh-CN" altLang="en-US"/>
           </a:p>
@@ -553,6 +553,90 @@
 </p:notes>
 </file>
 
+<file path=ppt/notesSlides/notesSlide2.xml><?xml version="1.0" encoding="utf-8"?>
+<p:notes xmlns:a="http://schemas.openxmlformats.org/drawingml/2006/main" xmlns:r="http://schemas.openxmlformats.org/officeDocument/2006/relationships" xmlns:p="http://schemas.openxmlformats.org/presentationml/2006/main">
+  <p:cSld>
+    <p:spTree>
+      <p:nvGrpSpPr>
+        <p:cNvPr id="1" name=""/>
+        <p:cNvGrpSpPr/>
+        <p:nvPr/>
+      </p:nvGrpSpPr>
+      <p:grpSpPr>
+        <a:xfrm>
+          <a:off x="0" y="0"/>
+          <a:ext cx="0" cy="0"/>
+          <a:chOff x="0" y="0"/>
+          <a:chExt cx="0" cy="0"/>
+        </a:xfrm>
+      </p:grpSpPr>
+      <p:sp>
+        <p:nvSpPr>
+          <p:cNvPr id="2" name="幻灯片图像占位符 1"/>
+          <p:cNvSpPr>
+            <a:spLocks noGrp="1" noRot="1" noChangeAspect="1"/>
+          </p:cNvSpPr>
+          <p:nvPr>
+            <p:ph type="sldImg"/>
+          </p:nvPr>
+        </p:nvSpPr>
+        <p:spPr/>
+      </p:sp>
+      <p:sp>
+        <p:nvSpPr>
+          <p:cNvPr id="3" name="备注占位符 2"/>
+          <p:cNvSpPr>
+            <a:spLocks noGrp="1"/>
+          </p:cNvSpPr>
+          <p:nvPr>
+            <p:ph type="body" idx="1"/>
+          </p:nvPr>
+        </p:nvSpPr>
+        <p:spPr/>
+        <p:txBody>
+          <a:bodyPr/>
+          <a:lstStyle/>
+          <a:p>
+            <a:endParaRPr kumimoji="1" lang="zh-CN" altLang="en-US" dirty="0"/>
+          </a:p>
+        </p:txBody>
+      </p:sp>
+      <p:sp>
+        <p:nvSpPr>
+          <p:cNvPr id="4" name="灯片编号占位符 3"/>
+          <p:cNvSpPr>
+            <a:spLocks noGrp="1"/>
+          </p:cNvSpPr>
+          <p:nvPr>
+            <p:ph type="sldNum" sz="quarter" idx="5"/>
+          </p:nvPr>
+        </p:nvSpPr>
+        <p:spPr/>
+        <p:txBody>
+          <a:bodyPr/>
+          <a:lstStyle/>
+          <a:p>
+            <a:fld id="{7F6A35A7-D313-44A8-B669-BB0AC988EDE7}" type="slidenum">
+              <a:rPr lang="zh-CN" altLang="en-US" smtClean="0"/>
+              <a:t>5</a:t>
+            </a:fld>
+            <a:endParaRPr lang="zh-CN" altLang="en-US"/>
+          </a:p>
+        </p:txBody>
+      </p:sp>
+    </p:spTree>
+    <p:extLst>
+      <p:ext uri="{BB962C8B-B14F-4D97-AF65-F5344CB8AC3E}">
+        <p14:creationId xmlns:p14="http://schemas.microsoft.com/office/powerpoint/2010/main" val="4115986797"/>
+      </p:ext>
+    </p:extLst>
+  </p:cSld>
+  <p:clrMapOvr>
+    <a:masterClrMapping/>
+  </p:clrMapOvr>
+</p:notes>
+</file>
+
 <file path=ppt/slideLayouts/slideLayout1.xml><?xml version="1.0" encoding="utf-8"?>
 <p:sldLayout xmlns:a="http://schemas.openxmlformats.org/drawingml/2006/main" xmlns:r="http://schemas.openxmlformats.org/officeDocument/2006/relationships" xmlns:p="http://schemas.openxmlformats.org/presentationml/2006/main" type="title" preserve="1">
   <p:cSld name="标题幻灯片">
@@ -700,7 +784,7 @@
           <a:p>
             <a:fld id="{2B27CFCB-1F2D-47C9-80A8-31C073AC2FCE}" type="datetimeFigureOut">
               <a:rPr lang="zh-CN" altLang="en-US" smtClean="0"/>
-              <a:t>2024/11/12</a:t>
+              <a:t>2024/12/2</a:t>
             </a:fld>
             <a:endParaRPr lang="zh-CN" altLang="en-US"/>
           </a:p>
@@ -898,7 +982,7 @@
           <a:p>
             <a:fld id="{2B27CFCB-1F2D-47C9-80A8-31C073AC2FCE}" type="datetimeFigureOut">
               <a:rPr lang="zh-CN" altLang="en-US" smtClean="0"/>
-              <a:t>2024/11/12</a:t>
+              <a:t>2024/12/2</a:t>
             </a:fld>
             <a:endParaRPr lang="zh-CN" altLang="en-US"/>
           </a:p>
@@ -1106,7 +1190,7 @@
           <a:p>
             <a:fld id="{2B27CFCB-1F2D-47C9-80A8-31C073AC2FCE}" type="datetimeFigureOut">
               <a:rPr lang="zh-CN" altLang="en-US" smtClean="0"/>
-              <a:t>2024/11/12</a:t>
+              <a:t>2024/12/2</a:t>
             </a:fld>
             <a:endParaRPr lang="zh-CN" altLang="en-US"/>
           </a:p>
@@ -1304,7 +1388,7 @@
           <a:p>
             <a:fld id="{2B27CFCB-1F2D-47C9-80A8-31C073AC2FCE}" type="datetimeFigureOut">
               <a:rPr lang="zh-CN" altLang="en-US" smtClean="0"/>
-              <a:t>2024/11/12</a:t>
+              <a:t>2024/12/2</a:t>
             </a:fld>
             <a:endParaRPr lang="zh-CN" altLang="en-US"/>
           </a:p>
@@ -1579,7 +1663,7 @@
           <a:p>
             <a:fld id="{2B27CFCB-1F2D-47C9-80A8-31C073AC2FCE}" type="datetimeFigureOut">
               <a:rPr lang="zh-CN" altLang="en-US" smtClean="0"/>
-              <a:t>2024/11/12</a:t>
+              <a:t>2024/12/2</a:t>
             </a:fld>
             <a:endParaRPr lang="zh-CN" altLang="en-US"/>
           </a:p>
@@ -1844,7 +1928,7 @@
           <a:p>
             <a:fld id="{2B27CFCB-1F2D-47C9-80A8-31C073AC2FCE}" type="datetimeFigureOut">
               <a:rPr lang="zh-CN" altLang="en-US" smtClean="0"/>
-              <a:t>2024/11/12</a:t>
+              <a:t>2024/12/2</a:t>
             </a:fld>
             <a:endParaRPr lang="zh-CN" altLang="en-US"/>
           </a:p>
@@ -2256,7 +2340,7 @@
           <a:p>
             <a:fld id="{2B27CFCB-1F2D-47C9-80A8-31C073AC2FCE}" type="datetimeFigureOut">
               <a:rPr lang="zh-CN" altLang="en-US" smtClean="0"/>
-              <a:t>2024/11/12</a:t>
+              <a:t>2024/12/2</a:t>
             </a:fld>
             <a:endParaRPr lang="zh-CN" altLang="en-US"/>
           </a:p>
@@ -2397,7 +2481,7 @@
           <a:p>
             <a:fld id="{2B27CFCB-1F2D-47C9-80A8-31C073AC2FCE}" type="datetimeFigureOut">
               <a:rPr lang="zh-CN" altLang="en-US" smtClean="0"/>
-              <a:t>2024/11/12</a:t>
+              <a:t>2024/12/2</a:t>
             </a:fld>
             <a:endParaRPr lang="zh-CN" altLang="en-US"/>
           </a:p>
@@ -2510,7 +2594,7 @@
           <a:p>
             <a:fld id="{2B27CFCB-1F2D-47C9-80A8-31C073AC2FCE}" type="datetimeFigureOut">
               <a:rPr lang="zh-CN" altLang="en-US" smtClean="0"/>
-              <a:t>2024/11/12</a:t>
+              <a:t>2024/12/2</a:t>
             </a:fld>
             <a:endParaRPr lang="zh-CN" altLang="en-US"/>
           </a:p>
@@ -2821,7 +2905,7 @@
           <a:p>
             <a:fld id="{2B27CFCB-1F2D-47C9-80A8-31C073AC2FCE}" type="datetimeFigureOut">
               <a:rPr lang="zh-CN" altLang="en-US" smtClean="0"/>
-              <a:t>2024/11/12</a:t>
+              <a:t>2024/12/2</a:t>
             </a:fld>
             <a:endParaRPr lang="zh-CN" altLang="en-US"/>
           </a:p>
@@ -3109,7 +3193,7 @@
           <a:p>
             <a:fld id="{2B27CFCB-1F2D-47C9-80A8-31C073AC2FCE}" type="datetimeFigureOut">
               <a:rPr lang="zh-CN" altLang="en-US" smtClean="0"/>
-              <a:t>2024/11/12</a:t>
+              <a:t>2024/12/2</a:t>
             </a:fld>
             <a:endParaRPr lang="zh-CN" altLang="en-US"/>
           </a:p>
@@ -3350,7 +3434,7 @@
           <a:p>
             <a:fld id="{2B27CFCB-1F2D-47C9-80A8-31C073AC2FCE}" type="datetimeFigureOut">
               <a:rPr lang="zh-CN" altLang="en-US" smtClean="0"/>
-              <a:t>2024/11/12</a:t>
+              <a:t>2024/12/2</a:t>
             </a:fld>
             <a:endParaRPr lang="zh-CN" altLang="en-US"/>
           </a:p>
@@ -5626,8 +5710,8 @@
           </p:txBody>
         </p:sp>
       </p:grpSp>
-      <mc:AlternateContent xmlns:mc="http://schemas.openxmlformats.org/markup-compatibility/2006">
-        <mc:Choice xmlns:a14="http://schemas.microsoft.com/office/drawing/2010/main" Requires="a14">
+      <mc:AlternateContent xmlns:mc="http://schemas.openxmlformats.org/markup-compatibility/2006" xmlns:a14="http://schemas.microsoft.com/office/drawing/2010/main">
+        <mc:Choice Requires="a14">
           <p:sp>
             <p:nvSpPr>
               <p:cNvPr id="184" name="文本框 183">
@@ -5823,7 +5907,7 @@
             </p:txBody>
           </p:sp>
         </mc:Choice>
-        <mc:Fallback>
+        <mc:Fallback xmlns="">
           <p:sp>
             <p:nvSpPr>
               <p:cNvPr id="184" name="文本框 183">
@@ -5868,8 +5952,8 @@
           </p:sp>
         </mc:Fallback>
       </mc:AlternateContent>
-      <mc:AlternateContent xmlns:mc="http://schemas.openxmlformats.org/markup-compatibility/2006">
-        <mc:Choice xmlns:a14="http://schemas.microsoft.com/office/drawing/2010/main" Requires="a14">
+      <mc:AlternateContent xmlns:mc="http://schemas.openxmlformats.org/markup-compatibility/2006" xmlns:a14="http://schemas.microsoft.com/office/drawing/2010/main">
+        <mc:Choice Requires="a14">
           <p:sp>
             <p:nvSpPr>
               <p:cNvPr id="185" name="文本框 184">
@@ -6064,7 +6148,7 @@
             </p:txBody>
           </p:sp>
         </mc:Choice>
-        <mc:Fallback>
+        <mc:Fallback xmlns="">
           <p:sp>
             <p:nvSpPr>
               <p:cNvPr id="185" name="文本框 184">
@@ -6991,8 +7075,8 @@
           </a:p>
         </p:txBody>
       </p:sp>
-      <mc:AlternateContent xmlns:mc="http://schemas.openxmlformats.org/markup-compatibility/2006">
-        <mc:Choice xmlns:a14="http://schemas.microsoft.com/office/drawing/2010/main" Requires="a14">
+      <mc:AlternateContent xmlns:mc="http://schemas.openxmlformats.org/markup-compatibility/2006" xmlns:a14="http://schemas.microsoft.com/office/drawing/2010/main">
+        <mc:Choice Requires="a14">
           <p:sp>
             <p:nvSpPr>
               <p:cNvPr id="335" name="文本框 334">
@@ -7076,7 +7160,7 @@
             </p:txBody>
           </p:sp>
         </mc:Choice>
-        <mc:Fallback>
+        <mc:Fallback xmlns="">
           <p:sp>
             <p:nvSpPr>
               <p:cNvPr id="335" name="文本框 334">
@@ -7251,8 +7335,8 @@
           </p:sp>
         </mc:Fallback>
       </mc:AlternateContent>
-      <mc:AlternateContent xmlns:mc="http://schemas.openxmlformats.org/markup-compatibility/2006">
-        <mc:Choice xmlns:a14="http://schemas.microsoft.com/office/drawing/2010/main" Requires="a14">
+      <mc:AlternateContent xmlns:mc="http://schemas.openxmlformats.org/markup-compatibility/2006" xmlns:a14="http://schemas.microsoft.com/office/drawing/2010/main">
+        <mc:Choice Requires="a14">
           <p:sp>
             <p:nvSpPr>
               <p:cNvPr id="337" name="文本框 336">
@@ -7336,7 +7420,7 @@
             </p:txBody>
           </p:sp>
         </mc:Choice>
-        <mc:Fallback>
+        <mc:Fallback xmlns="">
           <p:sp>
             <p:nvSpPr>
               <p:cNvPr id="337" name="文本框 336">
@@ -7511,8 +7595,8 @@
           </p:sp>
         </mc:Fallback>
       </mc:AlternateContent>
-      <mc:AlternateContent xmlns:mc="http://schemas.openxmlformats.org/markup-compatibility/2006">
-        <mc:Choice xmlns:a14="http://schemas.microsoft.com/office/drawing/2010/main" Requires="a14">
+      <mc:AlternateContent xmlns:mc="http://schemas.openxmlformats.org/markup-compatibility/2006" xmlns:a14="http://schemas.microsoft.com/office/drawing/2010/main">
+        <mc:Choice Requires="a14">
           <p:sp>
             <p:nvSpPr>
               <p:cNvPr id="339" name="文本框 338">
@@ -7596,7 +7680,7 @@
             </p:txBody>
           </p:sp>
         </mc:Choice>
-        <mc:Fallback>
+        <mc:Fallback xmlns="">
           <p:sp>
             <p:nvSpPr>
               <p:cNvPr id="339" name="文本框 338">
@@ -7641,8 +7725,8 @@
           </p:sp>
         </mc:Fallback>
       </mc:AlternateContent>
-      <mc:AlternateContent xmlns:mc="http://schemas.openxmlformats.org/markup-compatibility/2006">
-        <mc:Choice xmlns:a14="http://schemas.microsoft.com/office/drawing/2010/main" Requires="a14">
+      <mc:AlternateContent xmlns:mc="http://schemas.openxmlformats.org/markup-compatibility/2006" xmlns:a14="http://schemas.microsoft.com/office/drawing/2010/main">
+        <mc:Choice Requires="a14">
           <p:sp>
             <p:nvSpPr>
               <p:cNvPr id="340" name="文本框 339">
@@ -7726,7 +7810,7 @@
             </p:txBody>
           </p:sp>
         </mc:Choice>
-        <mc:Fallback>
+        <mc:Fallback xmlns="">
           <p:sp>
             <p:nvSpPr>
               <p:cNvPr id="340" name="文本框 339">
@@ -8457,8 +8541,8 @@
           </a:scene3d>
         </p:spPr>
       </p:pic>
-      <mc:AlternateContent xmlns:mc="http://schemas.openxmlformats.org/markup-compatibility/2006">
-        <mc:Choice xmlns:a14="http://schemas.microsoft.com/office/drawing/2010/main" Requires="a14">
+      <mc:AlternateContent xmlns:mc="http://schemas.openxmlformats.org/markup-compatibility/2006" xmlns:a14="http://schemas.microsoft.com/office/drawing/2010/main">
+        <mc:Choice Requires="a14">
           <p:sp>
             <p:nvSpPr>
               <p:cNvPr id="6" name="文本框 5">
@@ -8552,7 +8636,7 @@
             </p:txBody>
           </p:sp>
         </mc:Choice>
-        <mc:Fallback>
+        <mc:Fallback xmlns="">
           <p:sp>
             <p:nvSpPr>
               <p:cNvPr id="6" name="文本框 5">
@@ -8597,8 +8681,8 @@
           </p:sp>
         </mc:Fallback>
       </mc:AlternateContent>
-      <mc:AlternateContent xmlns:mc="http://schemas.openxmlformats.org/markup-compatibility/2006">
-        <mc:Choice xmlns:a14="http://schemas.microsoft.com/office/drawing/2010/main" Requires="a14">
+      <mc:AlternateContent xmlns:mc="http://schemas.openxmlformats.org/markup-compatibility/2006" xmlns:a14="http://schemas.microsoft.com/office/drawing/2010/main">
+        <mc:Choice Requires="a14">
           <p:sp>
             <p:nvSpPr>
               <p:cNvPr id="7" name="文本框 6">
@@ -8681,7 +8765,7 @@
             </p:txBody>
           </p:sp>
         </mc:Choice>
-        <mc:Fallback>
+        <mc:Fallback xmlns="">
           <p:sp>
             <p:nvSpPr>
               <p:cNvPr id="7" name="文本框 6">
@@ -8726,8 +8810,8 @@
           </p:sp>
         </mc:Fallback>
       </mc:AlternateContent>
-      <mc:AlternateContent xmlns:mc="http://schemas.openxmlformats.org/markup-compatibility/2006">
-        <mc:Choice xmlns:a14="http://schemas.microsoft.com/office/drawing/2010/main" Requires="a14">
+      <mc:AlternateContent xmlns:mc="http://schemas.openxmlformats.org/markup-compatibility/2006" xmlns:a14="http://schemas.microsoft.com/office/drawing/2010/main">
+        <mc:Choice Requires="a14">
           <p:sp>
             <p:nvSpPr>
               <p:cNvPr id="8" name="文本框 7">
@@ -8829,7 +8913,7 @@
             </p:txBody>
           </p:sp>
         </mc:Choice>
-        <mc:Fallback>
+        <mc:Fallback xmlns="">
           <p:sp>
             <p:nvSpPr>
               <p:cNvPr id="8" name="文本框 7">
@@ -8874,8 +8958,8 @@
           </p:sp>
         </mc:Fallback>
       </mc:AlternateContent>
-      <mc:AlternateContent xmlns:mc="http://schemas.openxmlformats.org/markup-compatibility/2006">
-        <mc:Choice xmlns:a14="http://schemas.microsoft.com/office/drawing/2010/main" Requires="a14">
+      <mc:AlternateContent xmlns:mc="http://schemas.openxmlformats.org/markup-compatibility/2006" xmlns:a14="http://schemas.microsoft.com/office/drawing/2010/main">
+        <mc:Choice Requires="a14">
           <p:sp>
             <p:nvSpPr>
               <p:cNvPr id="9" name="文本框 8">
@@ -8969,7 +9053,7 @@
             </p:txBody>
           </p:sp>
         </mc:Choice>
-        <mc:Fallback>
+        <mc:Fallback xmlns="">
           <p:sp>
             <p:nvSpPr>
               <p:cNvPr id="9" name="文本框 8">
@@ -9087,8 +9171,8 @@
           </a:p>
         </p:txBody>
       </p:sp>
-      <mc:AlternateContent xmlns:mc="http://schemas.openxmlformats.org/markup-compatibility/2006">
-        <mc:Choice xmlns:a14="http://schemas.microsoft.com/office/drawing/2010/main" Requires="a14">
+      <mc:AlternateContent xmlns:mc="http://schemas.openxmlformats.org/markup-compatibility/2006" xmlns:a14="http://schemas.microsoft.com/office/drawing/2010/main">
+        <mc:Choice Requires="a14">
           <p:sp>
             <p:nvSpPr>
               <p:cNvPr id="17" name="文本框 16">
@@ -9174,7 +9258,7 @@
             </p:txBody>
           </p:sp>
         </mc:Choice>
-        <mc:Fallback>
+        <mc:Fallback xmlns="">
           <p:sp>
             <p:nvSpPr>
               <p:cNvPr id="17" name="文本框 16">
@@ -9219,8 +9303,8 @@
           </p:sp>
         </mc:Fallback>
       </mc:AlternateContent>
-      <mc:AlternateContent xmlns:mc="http://schemas.openxmlformats.org/markup-compatibility/2006">
-        <mc:Choice xmlns:a14="http://schemas.microsoft.com/office/drawing/2010/main" Requires="a14">
+      <mc:AlternateContent xmlns:mc="http://schemas.openxmlformats.org/markup-compatibility/2006" xmlns:a14="http://schemas.microsoft.com/office/drawing/2010/main">
+        <mc:Choice Requires="a14">
           <p:sp>
             <p:nvSpPr>
               <p:cNvPr id="18" name="文本框 17">
@@ -9322,7 +9406,7 @@
             </p:txBody>
           </p:sp>
         </mc:Choice>
-        <mc:Fallback>
+        <mc:Fallback xmlns="">
           <p:sp>
             <p:nvSpPr>
               <p:cNvPr id="18" name="文本框 17">
@@ -10763,8 +10847,8 @@
             <a:chExt cx="2484379" cy="2127622"/>
           </a:xfrm>
         </p:grpSpPr>
-        <mc:AlternateContent xmlns:mc="http://schemas.openxmlformats.org/markup-compatibility/2006">
-          <mc:Choice xmlns:a14="http://schemas.microsoft.com/office/drawing/2010/main" Requires="a14">
+        <mc:AlternateContent xmlns:mc="http://schemas.openxmlformats.org/markup-compatibility/2006" xmlns:a14="http://schemas.microsoft.com/office/drawing/2010/main">
+          <mc:Choice Requires="a14">
             <p:sp>
               <p:nvSpPr>
                 <p:cNvPr id="102" name="矩形 101">
@@ -10843,7 +10927,7 @@
               </p:txBody>
             </p:sp>
           </mc:Choice>
-          <mc:Fallback>
+          <mc:Fallback xmlns="">
             <p:sp>
               <p:nvSpPr>
                 <p:cNvPr id="102" name="矩形 101">
@@ -10894,8 +10978,8 @@
             </p:sp>
           </mc:Fallback>
         </mc:AlternateContent>
-        <mc:AlternateContent xmlns:mc="http://schemas.openxmlformats.org/markup-compatibility/2006">
-          <mc:Choice xmlns:a14="http://schemas.microsoft.com/office/drawing/2010/main" Requires="a14">
+        <mc:AlternateContent xmlns:mc="http://schemas.openxmlformats.org/markup-compatibility/2006" xmlns:a14="http://schemas.microsoft.com/office/drawing/2010/main">
+          <mc:Choice Requires="a14">
             <p:sp>
               <p:nvSpPr>
                 <p:cNvPr id="103" name="Google Shape;7073;p73">
@@ -10990,17 +11074,7 @@
                           <a:latin typeface="Cambria Math" panose="02040503050406030204" pitchFamily="18" charset="0"/>
                           <a:ea typeface="仿宋" panose="02010609060101010101" pitchFamily="49" charset="-122"/>
                         </a:rPr>
-                        <m:t>1</m:t>
-                      </m:r>
-                      <m:r>
-                        <a:rPr lang="en-US" altLang="zh-CN" sz="1200" b="0" i="0" smtClean="0">
-                          <a:solidFill>
-                            <a:schemeClr val="tx1"/>
-                          </a:solidFill>
-                          <a:latin typeface="Cambria Math" panose="02040503050406030204" pitchFamily="18" charset="0"/>
-                          <a:ea typeface="仿宋" panose="02010609060101010101" pitchFamily="49" charset="-122"/>
-                        </a:rPr>
-                        <m:t>@64</m:t>
+                        <m:t>1@64</m:t>
                       </m:r>
                     </m:oMath>
                   </a14:m>
@@ -11014,7 +11088,7 @@
               </p:txBody>
             </p:sp>
           </mc:Choice>
-          <mc:Fallback>
+          <mc:Fallback xmlns="">
             <p:sp>
               <p:nvSpPr>
                 <p:cNvPr id="103" name="Google Shape;7073;p73">
@@ -11068,8 +11142,8 @@
             </p:sp>
           </mc:Fallback>
         </mc:AlternateContent>
-        <mc:AlternateContent xmlns:mc="http://schemas.openxmlformats.org/markup-compatibility/2006">
-          <mc:Choice xmlns:a14="http://schemas.microsoft.com/office/drawing/2010/main" Requires="a14">
+        <mc:AlternateContent xmlns:mc="http://schemas.openxmlformats.org/markup-compatibility/2006" xmlns:a14="http://schemas.microsoft.com/office/drawing/2010/main">
+          <mc:Choice Requires="a14">
             <p:sp>
               <p:nvSpPr>
                 <p:cNvPr id="104" name="Google Shape;7073;p73">
@@ -11167,17 +11241,7 @@
                           <a:latin typeface="Cambria Math" panose="02040503050406030204" pitchFamily="18" charset="0"/>
                           <a:ea typeface="仿宋" panose="02010609060101010101" pitchFamily="49" charset="-122"/>
                         </a:rPr>
-                        <m:t>3</m:t>
-                      </m:r>
-                      <m:r>
-                        <a:rPr lang="en-US" altLang="zh-CN" sz="1200" b="0" i="0" smtClean="0">
-                          <a:solidFill>
-                            <a:schemeClr val="tx1"/>
-                          </a:solidFill>
-                          <a:latin typeface="Cambria Math" panose="02040503050406030204" pitchFamily="18" charset="0"/>
-                          <a:ea typeface="仿宋" panose="02010609060101010101" pitchFamily="49" charset="-122"/>
-                        </a:rPr>
-                        <m:t>@64</m:t>
+                        <m:t>3@64</m:t>
                       </m:r>
                     </m:oMath>
                   </a14:m>
@@ -11191,7 +11255,7 @@
               </p:txBody>
             </p:sp>
           </mc:Choice>
-          <mc:Fallback>
+          <mc:Fallback xmlns="">
             <p:sp>
               <p:nvSpPr>
                 <p:cNvPr id="104" name="Google Shape;7073;p73">
@@ -11245,8 +11309,8 @@
             </p:sp>
           </mc:Fallback>
         </mc:AlternateContent>
-        <mc:AlternateContent xmlns:mc="http://schemas.openxmlformats.org/markup-compatibility/2006">
-          <mc:Choice xmlns:a14="http://schemas.microsoft.com/office/drawing/2010/main" Requires="a14">
+        <mc:AlternateContent xmlns:mc="http://schemas.openxmlformats.org/markup-compatibility/2006" xmlns:a14="http://schemas.microsoft.com/office/drawing/2010/main">
+          <mc:Choice Requires="a14">
             <p:sp>
               <p:nvSpPr>
                 <p:cNvPr id="105" name="Google Shape;7073;p73">
@@ -11341,17 +11405,7 @@
                           <a:latin typeface="Cambria Math" panose="02040503050406030204" pitchFamily="18" charset="0"/>
                           <a:ea typeface="仿宋" panose="02010609060101010101" pitchFamily="49" charset="-122"/>
                         </a:rPr>
-                        <m:t>1</m:t>
-                      </m:r>
-                      <m:r>
-                        <a:rPr lang="en-US" altLang="zh-CN" sz="1200" b="0" i="0" smtClean="0">
-                          <a:solidFill>
-                            <a:schemeClr val="tx1"/>
-                          </a:solidFill>
-                          <a:latin typeface="Cambria Math" panose="02040503050406030204" pitchFamily="18" charset="0"/>
-                          <a:ea typeface="仿宋" panose="02010609060101010101" pitchFamily="49" charset="-122"/>
-                        </a:rPr>
-                        <m:t>@256</m:t>
+                        <m:t>1@256</m:t>
                       </m:r>
                     </m:oMath>
                   </a14:m>
@@ -11365,7 +11419,7 @@
               </p:txBody>
             </p:sp>
           </mc:Choice>
-          <mc:Fallback>
+          <mc:Fallback xmlns="">
             <p:sp>
               <p:nvSpPr>
                 <p:cNvPr id="105" name="Google Shape;7073;p73">
@@ -11726,8 +11780,8 @@
             </a:p>
           </p:txBody>
         </p:sp>
-        <mc:AlternateContent xmlns:mc="http://schemas.openxmlformats.org/markup-compatibility/2006">
-          <mc:Choice xmlns:a14="http://schemas.microsoft.com/office/drawing/2010/main" Requires="a14">
+        <mc:AlternateContent xmlns:mc="http://schemas.openxmlformats.org/markup-compatibility/2006" xmlns:a14="http://schemas.microsoft.com/office/drawing/2010/main">
+          <mc:Choice Requires="a14">
             <p:sp>
               <p:nvSpPr>
                 <p:cNvPr id="112" name="文本框 111">
@@ -11787,7 +11841,7 @@
               </p:txBody>
             </p:sp>
           </mc:Choice>
-          <mc:Fallback>
+          <mc:Fallback xmlns="">
             <p:sp>
               <p:nvSpPr>
                 <p:cNvPr id="112" name="文本框 111">
@@ -11905,8 +11959,8 @@
             <a:chExt cx="2432183" cy="2127622"/>
           </a:xfrm>
         </p:grpSpPr>
-        <mc:AlternateContent xmlns:mc="http://schemas.openxmlformats.org/markup-compatibility/2006">
-          <mc:Choice xmlns:a14="http://schemas.microsoft.com/office/drawing/2010/main" Requires="a14">
+        <mc:AlternateContent xmlns:mc="http://schemas.openxmlformats.org/markup-compatibility/2006" xmlns:a14="http://schemas.microsoft.com/office/drawing/2010/main">
+          <mc:Choice Requires="a14">
             <p:sp>
               <p:nvSpPr>
                 <p:cNvPr id="143" name="矩形 142">
@@ -11985,7 +12039,7 @@
               </p:txBody>
             </p:sp>
           </mc:Choice>
-          <mc:Fallback>
+          <mc:Fallback xmlns="">
             <p:sp>
               <p:nvSpPr>
                 <p:cNvPr id="143" name="矩形 142">
@@ -12036,8 +12090,8 @@
             </p:sp>
           </mc:Fallback>
         </mc:AlternateContent>
-        <mc:AlternateContent xmlns:mc="http://schemas.openxmlformats.org/markup-compatibility/2006">
-          <mc:Choice xmlns:a14="http://schemas.microsoft.com/office/drawing/2010/main" Requires="a14">
+        <mc:AlternateContent xmlns:mc="http://schemas.openxmlformats.org/markup-compatibility/2006" xmlns:a14="http://schemas.microsoft.com/office/drawing/2010/main">
+          <mc:Choice Requires="a14">
             <p:sp>
               <p:nvSpPr>
                 <p:cNvPr id="144" name="Google Shape;7073;p73">
@@ -12132,17 +12186,7 @@
                           <a:latin typeface="Cambria Math" panose="02040503050406030204" pitchFamily="18" charset="0"/>
                           <a:ea typeface="仿宋" panose="02010609060101010101" pitchFamily="49" charset="-122"/>
                         </a:rPr>
-                        <m:t>1</m:t>
-                      </m:r>
-                      <m:r>
-                        <a:rPr lang="en-US" altLang="zh-CN" sz="1200" b="0" i="0" smtClean="0">
-                          <a:solidFill>
-                            <a:schemeClr val="tx1"/>
-                          </a:solidFill>
-                          <a:latin typeface="Cambria Math" panose="02040503050406030204" pitchFamily="18" charset="0"/>
-                          <a:ea typeface="仿宋" panose="02010609060101010101" pitchFamily="49" charset="-122"/>
-                        </a:rPr>
-                        <m:t>@128</m:t>
+                        <m:t>1@128</m:t>
                       </m:r>
                     </m:oMath>
                   </a14:m>
@@ -12156,7 +12200,7 @@
               </p:txBody>
             </p:sp>
           </mc:Choice>
-          <mc:Fallback>
+          <mc:Fallback xmlns="">
             <p:sp>
               <p:nvSpPr>
                 <p:cNvPr id="144" name="Google Shape;7073;p73">
@@ -12210,8 +12254,8 @@
             </p:sp>
           </mc:Fallback>
         </mc:AlternateContent>
-        <mc:AlternateContent xmlns:mc="http://schemas.openxmlformats.org/markup-compatibility/2006">
-          <mc:Choice xmlns:a14="http://schemas.microsoft.com/office/drawing/2010/main" Requires="a14">
+        <mc:AlternateContent xmlns:mc="http://schemas.openxmlformats.org/markup-compatibility/2006" xmlns:a14="http://schemas.microsoft.com/office/drawing/2010/main">
+          <mc:Choice Requires="a14">
             <p:sp>
               <p:nvSpPr>
                 <p:cNvPr id="145" name="Google Shape;7073;p73">
@@ -12309,17 +12353,7 @@
                           <a:latin typeface="Cambria Math" panose="02040503050406030204" pitchFamily="18" charset="0"/>
                           <a:ea typeface="仿宋" panose="02010609060101010101" pitchFamily="49" charset="-122"/>
                         </a:rPr>
-                        <m:t>3</m:t>
-                      </m:r>
-                      <m:r>
-                        <a:rPr lang="en-US" altLang="zh-CN" sz="1200" b="0" i="0" smtClean="0">
-                          <a:solidFill>
-                            <a:schemeClr val="tx1"/>
-                          </a:solidFill>
-                          <a:latin typeface="Cambria Math" panose="02040503050406030204" pitchFamily="18" charset="0"/>
-                          <a:ea typeface="仿宋" panose="02010609060101010101" pitchFamily="49" charset="-122"/>
-                        </a:rPr>
-                        <m:t>@128</m:t>
+                        <m:t>3@128</m:t>
                       </m:r>
                     </m:oMath>
                   </a14:m>
@@ -12333,7 +12367,7 @@
               </p:txBody>
             </p:sp>
           </mc:Choice>
-          <mc:Fallback>
+          <mc:Fallback xmlns="">
             <p:sp>
               <p:nvSpPr>
                 <p:cNvPr id="145" name="Google Shape;7073;p73">
@@ -12387,8 +12421,8 @@
             </p:sp>
           </mc:Fallback>
         </mc:AlternateContent>
-        <mc:AlternateContent xmlns:mc="http://schemas.openxmlformats.org/markup-compatibility/2006">
-          <mc:Choice xmlns:a14="http://schemas.microsoft.com/office/drawing/2010/main" Requires="a14">
+        <mc:AlternateContent xmlns:mc="http://schemas.openxmlformats.org/markup-compatibility/2006" xmlns:a14="http://schemas.microsoft.com/office/drawing/2010/main">
+          <mc:Choice Requires="a14">
             <p:sp>
               <p:nvSpPr>
                 <p:cNvPr id="146" name="Google Shape;7073;p73">
@@ -12483,17 +12517,7 @@
                           <a:latin typeface="Cambria Math" panose="02040503050406030204" pitchFamily="18" charset="0"/>
                           <a:ea typeface="仿宋" panose="02010609060101010101" pitchFamily="49" charset="-122"/>
                         </a:rPr>
-                        <m:t>1</m:t>
-                      </m:r>
-                      <m:r>
-                        <a:rPr lang="en-US" altLang="zh-CN" sz="1200" b="0" i="0" smtClean="0">
-                          <a:solidFill>
-                            <a:schemeClr val="tx1"/>
-                          </a:solidFill>
-                          <a:latin typeface="Cambria Math" panose="02040503050406030204" pitchFamily="18" charset="0"/>
-                          <a:ea typeface="仿宋" panose="02010609060101010101" pitchFamily="49" charset="-122"/>
-                        </a:rPr>
-                        <m:t>@512</m:t>
+                        <m:t>1@512</m:t>
                       </m:r>
                     </m:oMath>
                   </a14:m>
@@ -12507,7 +12531,7 @@
               </p:txBody>
             </p:sp>
           </mc:Choice>
-          <mc:Fallback>
+          <mc:Fallback xmlns="">
             <p:sp>
               <p:nvSpPr>
                 <p:cNvPr id="146" name="Google Shape;7073;p73">
@@ -12822,8 +12846,8 @@
             </a:p>
           </p:txBody>
         </p:sp>
-        <mc:AlternateContent xmlns:mc="http://schemas.openxmlformats.org/markup-compatibility/2006">
-          <mc:Choice xmlns:a14="http://schemas.microsoft.com/office/drawing/2010/main" Requires="a14">
+        <mc:AlternateContent xmlns:mc="http://schemas.openxmlformats.org/markup-compatibility/2006" xmlns:a14="http://schemas.microsoft.com/office/drawing/2010/main">
+          <mc:Choice Requires="a14">
             <p:sp>
               <p:nvSpPr>
                 <p:cNvPr id="153" name="文本框 152">
@@ -12883,7 +12907,7 @@
               </p:txBody>
             </p:sp>
           </mc:Choice>
-          <mc:Fallback>
+          <mc:Fallback xmlns="">
             <p:sp>
               <p:nvSpPr>
                 <p:cNvPr id="153" name="文本框 152">
@@ -13001,8 +13025,8 @@
             <a:chExt cx="2475997" cy="2127622"/>
           </a:xfrm>
         </p:grpSpPr>
-        <mc:AlternateContent xmlns:mc="http://schemas.openxmlformats.org/markup-compatibility/2006">
-          <mc:Choice xmlns:a14="http://schemas.microsoft.com/office/drawing/2010/main" Requires="a14">
+        <mc:AlternateContent xmlns:mc="http://schemas.openxmlformats.org/markup-compatibility/2006" xmlns:a14="http://schemas.microsoft.com/office/drawing/2010/main">
+          <mc:Choice Requires="a14">
             <p:sp>
               <p:nvSpPr>
                 <p:cNvPr id="157" name="矩形 156">
@@ -13081,7 +13105,7 @@
               </p:txBody>
             </p:sp>
           </mc:Choice>
-          <mc:Fallback>
+          <mc:Fallback xmlns="">
             <p:sp>
               <p:nvSpPr>
                 <p:cNvPr id="157" name="矩形 156">
@@ -13132,8 +13156,8 @@
             </p:sp>
           </mc:Fallback>
         </mc:AlternateContent>
-        <mc:AlternateContent xmlns:mc="http://schemas.openxmlformats.org/markup-compatibility/2006">
-          <mc:Choice xmlns:a14="http://schemas.microsoft.com/office/drawing/2010/main" Requires="a14">
+        <mc:AlternateContent xmlns:mc="http://schemas.openxmlformats.org/markup-compatibility/2006" xmlns:a14="http://schemas.microsoft.com/office/drawing/2010/main">
+          <mc:Choice Requires="a14">
             <p:sp>
               <p:nvSpPr>
                 <p:cNvPr id="158" name="Google Shape;7073;p73">
@@ -13228,17 +13252,7 @@
                           <a:latin typeface="Cambria Math" panose="02040503050406030204" pitchFamily="18" charset="0"/>
                           <a:ea typeface="仿宋" panose="02010609060101010101" pitchFamily="49" charset="-122"/>
                         </a:rPr>
-                        <m:t>1</m:t>
-                      </m:r>
-                      <m:r>
-                        <a:rPr lang="en-US" altLang="zh-CN" sz="1200" b="0" i="0" smtClean="0">
-                          <a:solidFill>
-                            <a:schemeClr val="tx1"/>
-                          </a:solidFill>
-                          <a:latin typeface="Cambria Math" panose="02040503050406030204" pitchFamily="18" charset="0"/>
-                          <a:ea typeface="仿宋" panose="02010609060101010101" pitchFamily="49" charset="-122"/>
-                        </a:rPr>
-                        <m:t>@256</m:t>
+                        <m:t>1@256</m:t>
                       </m:r>
                     </m:oMath>
                   </a14:m>
@@ -13252,7 +13266,7 @@
               </p:txBody>
             </p:sp>
           </mc:Choice>
-          <mc:Fallback>
+          <mc:Fallback xmlns="">
             <p:sp>
               <p:nvSpPr>
                 <p:cNvPr id="158" name="Google Shape;7073;p73">
@@ -13306,8 +13320,8 @@
             </p:sp>
           </mc:Fallback>
         </mc:AlternateContent>
-        <mc:AlternateContent xmlns:mc="http://schemas.openxmlformats.org/markup-compatibility/2006">
-          <mc:Choice xmlns:a14="http://schemas.microsoft.com/office/drawing/2010/main" Requires="a14">
+        <mc:AlternateContent xmlns:mc="http://schemas.openxmlformats.org/markup-compatibility/2006" xmlns:a14="http://schemas.microsoft.com/office/drawing/2010/main">
+          <mc:Choice Requires="a14">
             <p:sp>
               <p:nvSpPr>
                 <p:cNvPr id="159" name="Google Shape;7073;p73">
@@ -13405,17 +13419,7 @@
                           <a:latin typeface="Cambria Math" panose="02040503050406030204" pitchFamily="18" charset="0"/>
                           <a:ea typeface="仿宋" panose="02010609060101010101" pitchFamily="49" charset="-122"/>
                         </a:rPr>
-                        <m:t>3</m:t>
-                      </m:r>
-                      <m:r>
-                        <a:rPr lang="en-US" altLang="zh-CN" sz="1200" b="0" i="0" smtClean="0">
-                          <a:solidFill>
-                            <a:schemeClr val="tx1"/>
-                          </a:solidFill>
-                          <a:latin typeface="Cambria Math" panose="02040503050406030204" pitchFamily="18" charset="0"/>
-                          <a:ea typeface="仿宋" panose="02010609060101010101" pitchFamily="49" charset="-122"/>
-                        </a:rPr>
-                        <m:t>@256</m:t>
+                        <m:t>3@256</m:t>
                       </m:r>
                     </m:oMath>
                   </a14:m>
@@ -13429,7 +13433,7 @@
               </p:txBody>
             </p:sp>
           </mc:Choice>
-          <mc:Fallback>
+          <mc:Fallback xmlns="">
             <p:sp>
               <p:nvSpPr>
                 <p:cNvPr id="159" name="Google Shape;7073;p73">
@@ -13483,8 +13487,8 @@
             </p:sp>
           </mc:Fallback>
         </mc:AlternateContent>
-        <mc:AlternateContent xmlns:mc="http://schemas.openxmlformats.org/markup-compatibility/2006">
-          <mc:Choice xmlns:a14="http://schemas.microsoft.com/office/drawing/2010/main" Requires="a14">
+        <mc:AlternateContent xmlns:mc="http://schemas.openxmlformats.org/markup-compatibility/2006" xmlns:a14="http://schemas.microsoft.com/office/drawing/2010/main">
+          <mc:Choice Requires="a14">
             <p:sp>
               <p:nvSpPr>
                 <p:cNvPr id="160" name="Google Shape;7073;p73">
@@ -13579,17 +13583,7 @@
                           <a:latin typeface="Cambria Math" panose="02040503050406030204" pitchFamily="18" charset="0"/>
                           <a:ea typeface="仿宋" panose="02010609060101010101" pitchFamily="49" charset="-122"/>
                         </a:rPr>
-                        <m:t>1</m:t>
-                      </m:r>
-                      <m:r>
-                        <a:rPr lang="en-US" altLang="zh-CN" sz="1200" b="0" i="0" smtClean="0">
-                          <a:solidFill>
-                            <a:schemeClr val="tx1"/>
-                          </a:solidFill>
-                          <a:latin typeface="Cambria Math" panose="02040503050406030204" pitchFamily="18" charset="0"/>
-                          <a:ea typeface="仿宋" panose="02010609060101010101" pitchFamily="49" charset="-122"/>
-                        </a:rPr>
-                        <m:t>@1024</m:t>
+                        <m:t>1@1024</m:t>
                       </m:r>
                     </m:oMath>
                   </a14:m>
@@ -13603,7 +13597,7 @@
               </p:txBody>
             </p:sp>
           </mc:Choice>
-          <mc:Fallback>
+          <mc:Fallback xmlns="">
             <p:sp>
               <p:nvSpPr>
                 <p:cNvPr id="160" name="Google Shape;7073;p73">
@@ -13918,8 +13912,8 @@
             </a:p>
           </p:txBody>
         </p:sp>
-        <mc:AlternateContent xmlns:mc="http://schemas.openxmlformats.org/markup-compatibility/2006">
-          <mc:Choice xmlns:a14="http://schemas.microsoft.com/office/drawing/2010/main" Requires="a14">
+        <mc:AlternateContent xmlns:mc="http://schemas.openxmlformats.org/markup-compatibility/2006" xmlns:a14="http://schemas.microsoft.com/office/drawing/2010/main">
+          <mc:Choice Requires="a14">
             <p:sp>
               <p:nvSpPr>
                 <p:cNvPr id="166" name="文本框 165">
@@ -13979,7 +13973,7 @@
               </p:txBody>
             </p:sp>
           </mc:Choice>
-          <mc:Fallback>
+          <mc:Fallback xmlns="">
             <p:sp>
               <p:nvSpPr>
                 <p:cNvPr id="166" name="文本框 165">
@@ -14097,8 +14091,8 @@
             <a:chExt cx="2191539" cy="2127622"/>
           </a:xfrm>
         </p:grpSpPr>
-        <mc:AlternateContent xmlns:mc="http://schemas.openxmlformats.org/markup-compatibility/2006">
-          <mc:Choice xmlns:a14="http://schemas.microsoft.com/office/drawing/2010/main" Requires="a14">
+        <mc:AlternateContent xmlns:mc="http://schemas.openxmlformats.org/markup-compatibility/2006" xmlns:a14="http://schemas.microsoft.com/office/drawing/2010/main">
+          <mc:Choice Requires="a14">
             <p:sp>
               <p:nvSpPr>
                 <p:cNvPr id="171" name="矩形 170">
@@ -14177,7 +14171,7 @@
               </p:txBody>
             </p:sp>
           </mc:Choice>
-          <mc:Fallback>
+          <mc:Fallback xmlns="">
             <p:sp>
               <p:nvSpPr>
                 <p:cNvPr id="171" name="矩形 170">
@@ -14228,8 +14222,8 @@
             </p:sp>
           </mc:Fallback>
         </mc:AlternateContent>
-        <mc:AlternateContent xmlns:mc="http://schemas.openxmlformats.org/markup-compatibility/2006">
-          <mc:Choice xmlns:a14="http://schemas.microsoft.com/office/drawing/2010/main" Requires="a14">
+        <mc:AlternateContent xmlns:mc="http://schemas.openxmlformats.org/markup-compatibility/2006" xmlns:a14="http://schemas.microsoft.com/office/drawing/2010/main">
+          <mc:Choice Requires="a14">
             <p:sp>
               <p:nvSpPr>
                 <p:cNvPr id="172" name="Google Shape;7073;p73">
@@ -14324,17 +14318,7 @@
                           <a:latin typeface="Cambria Math" panose="02040503050406030204" pitchFamily="18" charset="0"/>
                           <a:ea typeface="仿宋" panose="02010609060101010101" pitchFamily="49" charset="-122"/>
                         </a:rPr>
-                        <m:t>1</m:t>
-                      </m:r>
-                      <m:r>
-                        <a:rPr lang="en-US" altLang="zh-CN" sz="1200" b="0" i="0" smtClean="0">
-                          <a:solidFill>
-                            <a:schemeClr val="tx1"/>
-                          </a:solidFill>
-                          <a:latin typeface="Cambria Math" panose="02040503050406030204" pitchFamily="18" charset="0"/>
-                          <a:ea typeface="仿宋" panose="02010609060101010101" pitchFamily="49" charset="-122"/>
-                        </a:rPr>
-                        <m:t>@512</m:t>
+                        <m:t>1@512</m:t>
                       </m:r>
                     </m:oMath>
                   </a14:m>
@@ -14348,7 +14332,7 @@
               </p:txBody>
             </p:sp>
           </mc:Choice>
-          <mc:Fallback>
+          <mc:Fallback xmlns="">
             <p:sp>
               <p:nvSpPr>
                 <p:cNvPr id="172" name="Google Shape;7073;p73">
@@ -14402,8 +14386,8 @@
             </p:sp>
           </mc:Fallback>
         </mc:AlternateContent>
-        <mc:AlternateContent xmlns:mc="http://schemas.openxmlformats.org/markup-compatibility/2006">
-          <mc:Choice xmlns:a14="http://schemas.microsoft.com/office/drawing/2010/main" Requires="a14">
+        <mc:AlternateContent xmlns:mc="http://schemas.openxmlformats.org/markup-compatibility/2006" xmlns:a14="http://schemas.microsoft.com/office/drawing/2010/main">
+          <mc:Choice Requires="a14">
             <p:sp>
               <p:nvSpPr>
                 <p:cNvPr id="173" name="Google Shape;7073;p73">
@@ -14501,17 +14485,7 @@
                           <a:latin typeface="Cambria Math" panose="02040503050406030204" pitchFamily="18" charset="0"/>
                           <a:ea typeface="仿宋" panose="02010609060101010101" pitchFamily="49" charset="-122"/>
                         </a:rPr>
-                        <m:t>3</m:t>
-                      </m:r>
-                      <m:r>
-                        <a:rPr lang="en-US" altLang="zh-CN" sz="1200" b="0" i="0" smtClean="0">
-                          <a:solidFill>
-                            <a:schemeClr val="tx1"/>
-                          </a:solidFill>
-                          <a:latin typeface="Cambria Math" panose="02040503050406030204" pitchFamily="18" charset="0"/>
-                          <a:ea typeface="仿宋" panose="02010609060101010101" pitchFamily="49" charset="-122"/>
-                        </a:rPr>
-                        <m:t>@512</m:t>
+                        <m:t>3@512</m:t>
                       </m:r>
                     </m:oMath>
                   </a14:m>
@@ -14525,7 +14499,7 @@
               </p:txBody>
             </p:sp>
           </mc:Choice>
-          <mc:Fallback>
+          <mc:Fallback xmlns="">
             <p:sp>
               <p:nvSpPr>
                 <p:cNvPr id="173" name="Google Shape;7073;p73">
@@ -14579,8 +14553,8 @@
             </p:sp>
           </mc:Fallback>
         </mc:AlternateContent>
-        <mc:AlternateContent xmlns:mc="http://schemas.openxmlformats.org/markup-compatibility/2006">
-          <mc:Choice xmlns:a14="http://schemas.microsoft.com/office/drawing/2010/main" Requires="a14">
+        <mc:AlternateContent xmlns:mc="http://schemas.openxmlformats.org/markup-compatibility/2006" xmlns:a14="http://schemas.microsoft.com/office/drawing/2010/main">
+          <mc:Choice Requires="a14">
             <p:sp>
               <p:nvSpPr>
                 <p:cNvPr id="174" name="Google Shape;7073;p73">
@@ -14675,17 +14649,7 @@
                           <a:latin typeface="Cambria Math" panose="02040503050406030204" pitchFamily="18" charset="0"/>
                           <a:ea typeface="仿宋" panose="02010609060101010101" pitchFamily="49" charset="-122"/>
                         </a:rPr>
-                        <m:t>1</m:t>
-                      </m:r>
-                      <m:r>
-                        <a:rPr lang="en-US" altLang="zh-CN" sz="1200" b="0" i="0" smtClean="0">
-                          <a:solidFill>
-                            <a:schemeClr val="tx1"/>
-                          </a:solidFill>
-                          <a:latin typeface="Cambria Math" panose="02040503050406030204" pitchFamily="18" charset="0"/>
-                          <a:ea typeface="仿宋" panose="02010609060101010101" pitchFamily="49" charset="-122"/>
-                        </a:rPr>
-                        <m:t>@2048</m:t>
+                        <m:t>1@2048</m:t>
                       </m:r>
                     </m:oMath>
                   </a14:m>
@@ -14699,7 +14663,7 @@
               </p:txBody>
             </p:sp>
           </mc:Choice>
-          <mc:Fallback>
+          <mc:Fallback xmlns="">
             <p:sp>
               <p:nvSpPr>
                 <p:cNvPr id="174" name="Google Shape;7073;p73">
@@ -15013,8 +14977,8 @@
             </a:p>
           </p:txBody>
         </p:sp>
-        <mc:AlternateContent xmlns:mc="http://schemas.openxmlformats.org/markup-compatibility/2006">
-          <mc:Choice xmlns:a14="http://schemas.microsoft.com/office/drawing/2010/main" Requires="a14">
+        <mc:AlternateContent xmlns:mc="http://schemas.openxmlformats.org/markup-compatibility/2006" xmlns:a14="http://schemas.microsoft.com/office/drawing/2010/main">
+          <mc:Choice Requires="a14">
             <p:sp>
               <p:nvSpPr>
                 <p:cNvPr id="180" name="文本框 179">
@@ -15074,7 +15038,7 @@
               </p:txBody>
             </p:sp>
           </mc:Choice>
-          <mc:Fallback>
+          <mc:Fallback xmlns="">
             <p:sp>
               <p:nvSpPr>
                 <p:cNvPr id="180" name="文本框 179">
@@ -15172,8 +15136,8 @@
           </p:txBody>
         </p:sp>
       </p:grpSp>
-      <mc:AlternateContent xmlns:mc="http://schemas.openxmlformats.org/markup-compatibility/2006">
-        <mc:Choice xmlns:a14="http://schemas.microsoft.com/office/drawing/2010/main" Requires="a14">
+      <mc:AlternateContent xmlns:mc="http://schemas.openxmlformats.org/markup-compatibility/2006" xmlns:a14="http://schemas.microsoft.com/office/drawing/2010/main">
+        <mc:Choice Requires="a14">
           <p:sp>
             <p:nvSpPr>
               <p:cNvPr id="187" name="Google Shape;7073;p73">
@@ -15282,7 +15246,7 @@
             </p:txBody>
           </p:sp>
         </mc:Choice>
-        <mc:Fallback>
+        <mc:Fallback xmlns="">
           <p:sp>
             <p:nvSpPr>
               <p:cNvPr id="187" name="Google Shape;7073;p73">
@@ -19119,8 +19083,8 @@
           </p:sp>
         </mc:Fallback>
       </mc:AlternateContent>
-      <mc:AlternateContent xmlns:mc="http://schemas.openxmlformats.org/markup-compatibility/2006">
-        <mc:Choice xmlns:a14="http://schemas.microsoft.com/office/drawing/2010/main" Requires="a14">
+      <mc:AlternateContent xmlns:mc="http://schemas.openxmlformats.org/markup-compatibility/2006" xmlns:a14="http://schemas.microsoft.com/office/drawing/2010/main">
+        <mc:Choice Requires="a14">
           <p:sp>
             <p:nvSpPr>
               <p:cNvPr id="83" name="文本框 82">
@@ -19204,7 +19168,7 @@
             </p:txBody>
           </p:sp>
         </mc:Choice>
-        <mc:Fallback>
+        <mc:Fallback xmlns="">
           <p:sp>
             <p:nvSpPr>
               <p:cNvPr id="83" name="文本框 82">
@@ -21645,8 +21609,8 @@
           </a:fontRef>
         </p:style>
       </p:cxnSp>
-      <mc:AlternateContent xmlns:mc="http://schemas.openxmlformats.org/markup-compatibility/2006">
-        <mc:Choice xmlns:a14="http://schemas.microsoft.com/office/drawing/2010/main" Requires="a14">
+      <mc:AlternateContent xmlns:mc="http://schemas.openxmlformats.org/markup-compatibility/2006" xmlns:a14="http://schemas.microsoft.com/office/drawing/2010/main">
+        <mc:Choice Requires="a14">
           <p:sp>
             <p:nvSpPr>
               <p:cNvPr id="32" name="文本框 31">
@@ -21700,7 +21664,7 @@
             </p:txBody>
           </p:sp>
         </mc:Choice>
-        <mc:Fallback>
+        <mc:Fallback xmlns="">
           <p:sp>
             <p:nvSpPr>
               <p:cNvPr id="32" name="文本框 31">
@@ -22184,8 +22148,8 @@
           </a:p>
         </p:txBody>
       </p:sp>
-      <mc:AlternateContent xmlns:mc="http://schemas.openxmlformats.org/markup-compatibility/2006">
-        <mc:Choice xmlns:a14="http://schemas.microsoft.com/office/drawing/2010/main" Requires="a14">
+      <mc:AlternateContent xmlns:mc="http://schemas.openxmlformats.org/markup-compatibility/2006" xmlns:a14="http://schemas.microsoft.com/office/drawing/2010/main">
+        <mc:Choice Requires="a14">
           <p:sp>
             <p:nvSpPr>
               <p:cNvPr id="40" name="文本框 39">
@@ -22239,7 +22203,7 @@
             </p:txBody>
           </p:sp>
         </mc:Choice>
-        <mc:Fallback>
+        <mc:Fallback xmlns="">
           <p:sp>
             <p:nvSpPr>
               <p:cNvPr id="40" name="文本框 39">
@@ -22555,8 +22519,8 @@
           </a:fontRef>
         </p:style>
       </p:cxnSp>
-      <mc:AlternateContent xmlns:mc="http://schemas.openxmlformats.org/markup-compatibility/2006">
-        <mc:Choice xmlns:a14="http://schemas.microsoft.com/office/drawing/2010/main" Requires="a14">
+      <mc:AlternateContent xmlns:mc="http://schemas.openxmlformats.org/markup-compatibility/2006" xmlns:a14="http://schemas.microsoft.com/office/drawing/2010/main">
+        <mc:Choice Requires="a14">
           <p:sp>
             <p:nvSpPr>
               <p:cNvPr id="47" name="文本框 46">
@@ -22610,7 +22574,7 @@
             </p:txBody>
           </p:sp>
         </mc:Choice>
-        <mc:Fallback>
+        <mc:Fallback xmlns="">
           <p:sp>
             <p:nvSpPr>
               <p:cNvPr id="47" name="文本框 46">
@@ -22655,8 +22619,8 @@
           </p:sp>
         </mc:Fallback>
       </mc:AlternateContent>
-      <mc:AlternateContent xmlns:mc="http://schemas.openxmlformats.org/markup-compatibility/2006">
-        <mc:Choice xmlns:a14="http://schemas.microsoft.com/office/drawing/2010/main" Requires="a14">
+      <mc:AlternateContent xmlns:mc="http://schemas.openxmlformats.org/markup-compatibility/2006" xmlns:a14="http://schemas.microsoft.com/office/drawing/2010/main">
+        <mc:Choice Requires="a14">
           <p:sp>
             <p:nvSpPr>
               <p:cNvPr id="48" name="文本框 47">
@@ -22710,7 +22674,7 @@
             </p:txBody>
           </p:sp>
         </mc:Choice>
-        <mc:Fallback>
+        <mc:Fallback xmlns="">
           <p:sp>
             <p:nvSpPr>
               <p:cNvPr id="48" name="文本框 47">
@@ -24068,8 +24032,8 @@
           </a:p>
         </p:txBody>
       </p:sp>
-      <mc:AlternateContent xmlns:mc="http://schemas.openxmlformats.org/markup-compatibility/2006">
-        <mc:Choice xmlns:a14="http://schemas.microsoft.com/office/drawing/2010/main" Requires="a14">
+      <mc:AlternateContent xmlns:mc="http://schemas.openxmlformats.org/markup-compatibility/2006" xmlns:a14="http://schemas.microsoft.com/office/drawing/2010/main">
+        <mc:Choice Requires="a14">
           <p:sp>
             <p:nvSpPr>
               <p:cNvPr id="75" name="文本框 74">
@@ -24144,7 +24108,7 @@
             </p:txBody>
           </p:sp>
         </mc:Choice>
-        <mc:Fallback>
+        <mc:Fallback xmlns="">
           <p:sp>
             <p:nvSpPr>
               <p:cNvPr id="75" name="文本框 74">
@@ -24189,8 +24153,8 @@
           </p:sp>
         </mc:Fallback>
       </mc:AlternateContent>
-      <mc:AlternateContent xmlns:mc="http://schemas.openxmlformats.org/markup-compatibility/2006">
-        <mc:Choice xmlns:a14="http://schemas.microsoft.com/office/drawing/2010/main" Requires="a14">
+      <mc:AlternateContent xmlns:mc="http://schemas.openxmlformats.org/markup-compatibility/2006" xmlns:a14="http://schemas.microsoft.com/office/drawing/2010/main">
+        <mc:Choice Requires="a14">
           <p:sp>
             <p:nvSpPr>
               <p:cNvPr id="76" name="文本框 75">
@@ -24300,7 +24264,7 @@
             </p:txBody>
           </p:sp>
         </mc:Choice>
-        <mc:Fallback>
+        <mc:Fallback xmlns="">
           <p:sp>
             <p:nvSpPr>
               <p:cNvPr id="76" name="文本框 75">
@@ -24345,8 +24309,8 @@
           </p:sp>
         </mc:Fallback>
       </mc:AlternateContent>
-      <mc:AlternateContent xmlns:mc="http://schemas.openxmlformats.org/markup-compatibility/2006">
-        <mc:Choice xmlns:a14="http://schemas.microsoft.com/office/drawing/2010/main" Requires="a14">
+      <mc:AlternateContent xmlns:mc="http://schemas.openxmlformats.org/markup-compatibility/2006" xmlns:a14="http://schemas.microsoft.com/office/drawing/2010/main">
+        <mc:Choice Requires="a14">
           <p:sp>
             <p:nvSpPr>
               <p:cNvPr id="77" name="文本框 76">
@@ -24456,7 +24420,7 @@
             </p:txBody>
           </p:sp>
         </mc:Choice>
-        <mc:Fallback>
+        <mc:Fallback xmlns="">
           <p:sp>
             <p:nvSpPr>
               <p:cNvPr id="77" name="文本框 76">
@@ -25566,7 +25530,7 @@
                   <a:avLst/>
                 </a:prstGeom>
                 <a:blipFill>
-                  <a:blip r:embed="rId2"/>
+                  <a:blip r:embed="rId3"/>
                   <a:stretch>
                     <a:fillRect l="-5263" r="-1435" b="-11765"/>
                   </a:stretch>
@@ -25701,7 +25665,7 @@
                   <a:avLst/>
                 </a:prstGeom>
                 <a:blipFill>
-                  <a:blip r:embed="rId3"/>
+                  <a:blip r:embed="rId4"/>
                   <a:stretch>
                     <a:fillRect l="-13846" b="-9804"/>
                   </a:stretch>
@@ -26662,7 +26626,7 @@
                   <a:avLst/>
                 </a:prstGeom>
                 <a:blipFill>
-                  <a:blip r:embed="rId4"/>
+                  <a:blip r:embed="rId5"/>
                   <a:stretch>
                     <a:fillRect l="-5263" r="-1435" b="-3636"/>
                   </a:stretch>
@@ -26797,7 +26761,7 @@
                   <a:avLst/>
                 </a:prstGeom>
                 <a:blipFill>
-                  <a:blip r:embed="rId3"/>
+                  <a:blip r:embed="rId4"/>
                   <a:stretch>
                     <a:fillRect l="-13846" b="-9804"/>
                   </a:stretch>
@@ -27660,7 +27624,7 @@
                 <a:avLst/>
               </a:prstGeom>
               <a:blipFill>
-                <a:blip r:embed="rId5"/>
+                <a:blip r:embed="rId6"/>
                 <a:stretch>
                   <a:fillRect l="-13846" b="-1818"/>
                 </a:stretch>
@@ -27795,7 +27759,7 @@
                 <a:avLst/>
               </a:prstGeom>
               <a:blipFill>
-                <a:blip r:embed="rId3"/>
+                <a:blip r:embed="rId4"/>
                 <a:stretch>
                   <a:fillRect l="-13846" b="-9804"/>
                 </a:stretch>
@@ -29914,8 +29878,8 @@
           </a:fontRef>
         </p:style>
       </p:cxnSp>
-      <mc:AlternateContent xmlns:mc="http://schemas.openxmlformats.org/markup-compatibility/2006">
-        <mc:Choice xmlns:a14="http://schemas.microsoft.com/office/drawing/2010/main" Requires="a14">
+      <mc:AlternateContent xmlns:mc="http://schemas.openxmlformats.org/markup-compatibility/2006" xmlns:a14="http://schemas.microsoft.com/office/drawing/2010/main">
+        <mc:Choice Requires="a14">
           <p:sp>
             <p:nvSpPr>
               <p:cNvPr id="150" name="文本框 149">
@@ -29999,7 +29963,7 @@
             </p:txBody>
           </p:sp>
         </mc:Choice>
-        <mc:Fallback>
+        <mc:Fallback xmlns="">
           <p:sp>
             <p:nvSpPr>
               <p:cNvPr id="150" name="文本框 149">
@@ -30023,7 +29987,7 @@
                 <a:avLst/>
               </a:prstGeom>
               <a:blipFill>
-                <a:blip r:embed="rId6"/>
+                <a:blip r:embed="rId7"/>
                 <a:stretch>
                   <a:fillRect b="-10526"/>
                 </a:stretch>
@@ -30044,8 +30008,8 @@
           </p:sp>
         </mc:Fallback>
       </mc:AlternateContent>
-      <mc:AlternateContent xmlns:mc="http://schemas.openxmlformats.org/markup-compatibility/2006">
-        <mc:Choice xmlns:a14="http://schemas.microsoft.com/office/drawing/2010/main" Requires="a14">
+      <mc:AlternateContent xmlns:mc="http://schemas.openxmlformats.org/markup-compatibility/2006" xmlns:a14="http://schemas.microsoft.com/office/drawing/2010/main">
+        <mc:Choice Requires="a14">
           <p:sp>
             <p:nvSpPr>
               <p:cNvPr id="151" name="文本框 150">
@@ -30129,7 +30093,7 @@
             </p:txBody>
           </p:sp>
         </mc:Choice>
-        <mc:Fallback>
+        <mc:Fallback xmlns="">
           <p:sp>
             <p:nvSpPr>
               <p:cNvPr id="151" name="文本框 150">
@@ -30153,7 +30117,7 @@
                 <a:avLst/>
               </a:prstGeom>
               <a:blipFill>
-                <a:blip r:embed="rId7"/>
+                <a:blip r:embed="rId8"/>
                 <a:stretch>
                   <a:fillRect b="-3279"/>
                 </a:stretch>
@@ -30533,7 +30497,7 @@
                 <a:avLst/>
               </a:prstGeom>
               <a:blipFill>
-                <a:blip r:embed="rId8"/>
+                <a:blip r:embed="rId9"/>
                 <a:stretch>
                   <a:fillRect/>
                 </a:stretch>
@@ -30904,7 +30868,7 @@
                 <a:avLst/>
               </a:prstGeom>
               <a:blipFill>
-                <a:blip r:embed="rId9"/>
+                <a:blip r:embed="rId10"/>
                 <a:stretch>
                   <a:fillRect b="-7843"/>
                 </a:stretch>
@@ -31255,7 +31219,7 @@
                 <a:avLst/>
               </a:prstGeom>
               <a:blipFill>
-                <a:blip r:embed="rId10"/>
+                <a:blip r:embed="rId11"/>
                 <a:stretch>
                   <a:fillRect r="-30769" b="-9804"/>
                 </a:stretch>
@@ -31430,7 +31394,7 @@
                 <a:avLst/>
               </a:prstGeom>
               <a:blipFill>
-                <a:blip r:embed="rId11"/>
+                <a:blip r:embed="rId12"/>
                 <a:stretch>
                   <a:fillRect r="-37255" b="-1818"/>
                 </a:stretch>

--- a/畢業論文/PPT/p.pptx
+++ b/畢業論文/PPT/p.pptx
@@ -5,15 +5,16 @@
     <p:sldMasterId id="2147483648" r:id="rId1"/>
   </p:sldMasterIdLst>
   <p:notesMasterIdLst>
-    <p:notesMasterId r:id="rId8"/>
+    <p:notesMasterId r:id="rId9"/>
   </p:notesMasterIdLst>
   <p:sldIdLst>
-    <p:sldId id="262" r:id="rId2"/>
-    <p:sldId id="256" r:id="rId3"/>
-    <p:sldId id="261" r:id="rId4"/>
-    <p:sldId id="258" r:id="rId5"/>
-    <p:sldId id="257" r:id="rId6"/>
-    <p:sldId id="259" r:id="rId7"/>
+    <p:sldId id="263" r:id="rId2"/>
+    <p:sldId id="262" r:id="rId3"/>
+    <p:sldId id="256" r:id="rId4"/>
+    <p:sldId id="261" r:id="rId5"/>
+    <p:sldId id="258" r:id="rId6"/>
+    <p:sldId id="257" r:id="rId7"/>
+    <p:sldId id="259" r:id="rId8"/>
   </p:sldIdLst>
   <p:sldSz cx="12192000" cy="6858000"/>
   <p:notesSz cx="6858000" cy="9144000"/>
@@ -202,7 +203,7 @@
           <a:p>
             <a:fld id="{5BEB3125-F266-49DD-A36E-31ABB886EFD6}" type="datetimeFigureOut">
               <a:rPr lang="zh-CN" altLang="en-US" smtClean="0"/>
-              <a:t>2025/4/20</a:t>
+              <a:t>2025/4/22</a:t>
             </a:fld>
             <a:endParaRPr lang="zh-CN" altLang="en-US"/>
           </a:p>
@@ -538,7 +539,7 @@
           <a:p>
             <a:fld id="{7F6A35A7-D313-44A8-B669-BB0AC988EDE7}" type="slidenum">
               <a:rPr lang="zh-CN" altLang="en-US" smtClean="0"/>
-              <a:t>1</a:t>
+              <a:t>2</a:t>
             </a:fld>
             <a:endParaRPr lang="zh-CN" altLang="en-US"/>
           </a:p>
@@ -626,7 +627,7 @@
           <a:p>
             <a:fld id="{7F6A35A7-D313-44A8-B669-BB0AC988EDE7}" type="slidenum">
               <a:rPr lang="zh-CN" altLang="en-US" smtClean="0"/>
-              <a:t>2</a:t>
+              <a:t>3</a:t>
             </a:fld>
             <a:endParaRPr lang="zh-CN" altLang="en-US"/>
           </a:p>
@@ -714,7 +715,7 @@
           <a:p>
             <a:fld id="{7F6A35A7-D313-44A8-B669-BB0AC988EDE7}" type="slidenum">
               <a:rPr lang="zh-CN" altLang="en-US" smtClean="0"/>
-              <a:t>3</a:t>
+              <a:t>4</a:t>
             </a:fld>
             <a:endParaRPr lang="zh-CN" altLang="en-US"/>
           </a:p>
@@ -802,7 +803,7 @@
           <a:p>
             <a:fld id="{7F6A35A7-D313-44A8-B669-BB0AC988EDE7}" type="slidenum">
               <a:rPr lang="zh-CN" altLang="en-US" smtClean="0"/>
-              <a:t>4</a:t>
+              <a:t>5</a:t>
             </a:fld>
             <a:endParaRPr lang="zh-CN" altLang="en-US"/>
           </a:p>
@@ -890,7 +891,7 @@
           <a:p>
             <a:fld id="{7F6A35A7-D313-44A8-B669-BB0AC988EDE7}" type="slidenum">
               <a:rPr lang="zh-CN" altLang="en-US" smtClean="0"/>
-              <a:t>5</a:t>
+              <a:t>6</a:t>
             </a:fld>
             <a:endParaRPr lang="zh-CN" altLang="en-US"/>
           </a:p>
@@ -978,7 +979,7 @@
           <a:p>
             <a:fld id="{7F6A35A7-D313-44A8-B669-BB0AC988EDE7}" type="slidenum">
               <a:rPr lang="zh-CN" altLang="en-US" smtClean="0"/>
-              <a:t>6</a:t>
+              <a:t>7</a:t>
             </a:fld>
             <a:endParaRPr lang="zh-CN" altLang="en-US"/>
           </a:p>
@@ -1144,7 +1145,7 @@
           <a:p>
             <a:fld id="{2B27CFCB-1F2D-47C9-80A8-31C073AC2FCE}" type="datetimeFigureOut">
               <a:rPr lang="zh-CN" altLang="en-US" smtClean="0"/>
-              <a:t>2025/4/20</a:t>
+              <a:t>2025/4/22</a:t>
             </a:fld>
             <a:endParaRPr lang="zh-CN" altLang="en-US"/>
           </a:p>
@@ -1342,7 +1343,7 @@
           <a:p>
             <a:fld id="{2B27CFCB-1F2D-47C9-80A8-31C073AC2FCE}" type="datetimeFigureOut">
               <a:rPr lang="zh-CN" altLang="en-US" smtClean="0"/>
-              <a:t>2025/4/20</a:t>
+              <a:t>2025/4/22</a:t>
             </a:fld>
             <a:endParaRPr lang="zh-CN" altLang="en-US"/>
           </a:p>
@@ -1550,7 +1551,7 @@
           <a:p>
             <a:fld id="{2B27CFCB-1F2D-47C9-80A8-31C073AC2FCE}" type="datetimeFigureOut">
               <a:rPr lang="zh-CN" altLang="en-US" smtClean="0"/>
-              <a:t>2025/4/20</a:t>
+              <a:t>2025/4/22</a:t>
             </a:fld>
             <a:endParaRPr lang="zh-CN" altLang="en-US"/>
           </a:p>
@@ -1748,7 +1749,7 @@
           <a:p>
             <a:fld id="{2B27CFCB-1F2D-47C9-80A8-31C073AC2FCE}" type="datetimeFigureOut">
               <a:rPr lang="zh-CN" altLang="en-US" smtClean="0"/>
-              <a:t>2025/4/20</a:t>
+              <a:t>2025/4/22</a:t>
             </a:fld>
             <a:endParaRPr lang="zh-CN" altLang="en-US"/>
           </a:p>
@@ -2023,7 +2024,7 @@
           <a:p>
             <a:fld id="{2B27CFCB-1F2D-47C9-80A8-31C073AC2FCE}" type="datetimeFigureOut">
               <a:rPr lang="zh-CN" altLang="en-US" smtClean="0"/>
-              <a:t>2025/4/20</a:t>
+              <a:t>2025/4/22</a:t>
             </a:fld>
             <a:endParaRPr lang="zh-CN" altLang="en-US"/>
           </a:p>
@@ -2288,7 +2289,7 @@
           <a:p>
             <a:fld id="{2B27CFCB-1F2D-47C9-80A8-31C073AC2FCE}" type="datetimeFigureOut">
               <a:rPr lang="zh-CN" altLang="en-US" smtClean="0"/>
-              <a:t>2025/4/20</a:t>
+              <a:t>2025/4/22</a:t>
             </a:fld>
             <a:endParaRPr lang="zh-CN" altLang="en-US"/>
           </a:p>
@@ -2700,7 +2701,7 @@
           <a:p>
             <a:fld id="{2B27CFCB-1F2D-47C9-80A8-31C073AC2FCE}" type="datetimeFigureOut">
               <a:rPr lang="zh-CN" altLang="en-US" smtClean="0"/>
-              <a:t>2025/4/20</a:t>
+              <a:t>2025/4/22</a:t>
             </a:fld>
             <a:endParaRPr lang="zh-CN" altLang="en-US"/>
           </a:p>
@@ -2841,7 +2842,7 @@
           <a:p>
             <a:fld id="{2B27CFCB-1F2D-47C9-80A8-31C073AC2FCE}" type="datetimeFigureOut">
               <a:rPr lang="zh-CN" altLang="en-US" smtClean="0"/>
-              <a:t>2025/4/20</a:t>
+              <a:t>2025/4/22</a:t>
             </a:fld>
             <a:endParaRPr lang="zh-CN" altLang="en-US"/>
           </a:p>
@@ -2954,7 +2955,7 @@
           <a:p>
             <a:fld id="{2B27CFCB-1F2D-47C9-80A8-31C073AC2FCE}" type="datetimeFigureOut">
               <a:rPr lang="zh-CN" altLang="en-US" smtClean="0"/>
-              <a:t>2025/4/20</a:t>
+              <a:t>2025/4/22</a:t>
             </a:fld>
             <a:endParaRPr lang="zh-CN" altLang="en-US"/>
           </a:p>
@@ -3265,7 +3266,7 @@
           <a:p>
             <a:fld id="{2B27CFCB-1F2D-47C9-80A8-31C073AC2FCE}" type="datetimeFigureOut">
               <a:rPr lang="zh-CN" altLang="en-US" smtClean="0"/>
-              <a:t>2025/4/20</a:t>
+              <a:t>2025/4/22</a:t>
             </a:fld>
             <a:endParaRPr lang="zh-CN" altLang="en-US"/>
           </a:p>
@@ -3553,7 +3554,7 @@
           <a:p>
             <a:fld id="{2B27CFCB-1F2D-47C9-80A8-31C073AC2FCE}" type="datetimeFigureOut">
               <a:rPr lang="zh-CN" altLang="en-US" smtClean="0"/>
-              <a:t>2025/4/20</a:t>
+              <a:t>2025/4/22</a:t>
             </a:fld>
             <a:endParaRPr lang="zh-CN" altLang="en-US"/>
           </a:p>
@@ -3794,7 +3795,7 @@
           <a:p>
             <a:fld id="{2B27CFCB-1F2D-47C9-80A8-31C073AC2FCE}" type="datetimeFigureOut">
               <a:rPr lang="zh-CN" altLang="en-US" smtClean="0"/>
-              <a:t>2025/4/20</a:t>
+              <a:t>2025/4/22</a:t>
             </a:fld>
             <a:endParaRPr lang="zh-CN" altLang="en-US"/>
           </a:p>
@@ -4195,6 +4196,1515 @@
 </file>
 
 <file path=ppt/slides/slide1.xml><?xml version="1.0" encoding="utf-8"?>
+<p:sld xmlns:a="http://schemas.openxmlformats.org/drawingml/2006/main" xmlns:r="http://schemas.openxmlformats.org/officeDocument/2006/relationships" xmlns:p="http://schemas.openxmlformats.org/presentationml/2006/main">
+  <p:cSld>
+    <p:spTree>
+      <p:nvGrpSpPr>
+        <p:cNvPr id="1" name=""/>
+        <p:cNvGrpSpPr/>
+        <p:nvPr/>
+      </p:nvGrpSpPr>
+      <p:grpSpPr>
+        <a:xfrm>
+          <a:off x="0" y="0"/>
+          <a:ext cx="0" cy="0"/>
+          <a:chOff x="0" y="0"/>
+          <a:chExt cx="0" cy="0"/>
+        </a:xfrm>
+      </p:grpSpPr>
+      <p:cxnSp>
+        <p:nvCxnSpPr>
+          <p:cNvPr id="38" name="直接箭头连接符 140">
+            <a:extLst>
+              <a:ext uri="{FF2B5EF4-FFF2-40B4-BE49-F238E27FC236}">
+                <a16:creationId xmlns:a16="http://schemas.microsoft.com/office/drawing/2014/main" id="{A5B1386F-27EA-4E5F-0010-96C9FCE04560}"/>
+              </a:ext>
+            </a:extLst>
+          </p:cNvPr>
+          <p:cNvCxnSpPr>
+            <a:cxnSpLocks/>
+          </p:cNvCxnSpPr>
+          <p:nvPr/>
+        </p:nvCxnSpPr>
+        <p:spPr>
+          <a:xfrm>
+            <a:off x="1813415" y="4232610"/>
+            <a:ext cx="8955278" cy="0"/>
+          </a:xfrm>
+          <a:prstGeom prst="straightConnector1">
+            <a:avLst/>
+          </a:prstGeom>
+          <a:ln w="12700">
+            <a:solidFill>
+              <a:schemeClr val="tx1"/>
+            </a:solidFill>
+            <a:tailEnd type="triangle"/>
+          </a:ln>
+        </p:spPr>
+        <p:style>
+          <a:lnRef idx="1">
+            <a:schemeClr val="accent1"/>
+          </a:lnRef>
+          <a:fillRef idx="0">
+            <a:schemeClr val="accent1"/>
+          </a:fillRef>
+          <a:effectRef idx="0">
+            <a:schemeClr val="accent1"/>
+          </a:effectRef>
+          <a:fontRef idx="minor">
+            <a:schemeClr val="tx1"/>
+          </a:fontRef>
+        </p:style>
+      </p:cxnSp>
+      <mc:AlternateContent xmlns:mc="http://schemas.openxmlformats.org/markup-compatibility/2006">
+        <mc:Choice xmlns:a14="http://schemas.microsoft.com/office/drawing/2010/main" Requires="a14">
+          <p:sp>
+            <p:nvSpPr>
+              <p:cNvPr id="7" name="文本框 6">
+                <a:extLst>
+                  <a:ext uri="{FF2B5EF4-FFF2-40B4-BE49-F238E27FC236}">
+                    <a16:creationId xmlns:a16="http://schemas.microsoft.com/office/drawing/2014/main" id="{C1924A04-E158-1933-D718-51CA0249EFF4}"/>
+                  </a:ext>
+                </a:extLst>
+              </p:cNvPr>
+              <p:cNvSpPr txBox="1"/>
+              <p:nvPr/>
+            </p:nvSpPr>
+            <p:spPr>
+              <a:xfrm>
+                <a:off x="165288" y="4592327"/>
+                <a:ext cx="1514465" cy="461665"/>
+              </a:xfrm>
+              <a:prstGeom prst="rect">
+                <a:avLst/>
+              </a:prstGeom>
+              <a:noFill/>
+            </p:spPr>
+            <p:txBody>
+              <a:bodyPr wrap="square" rtlCol="0">
+                <a:spAutoFit/>
+              </a:bodyPr>
+              <a:lstStyle/>
+              <a:p>
+                <a:pPr algn="ctr"/>
+                <a:r>
+                  <a:rPr lang="en-US" altLang="zh-CN" sz="1200" dirty="0">
+                    <a:latin typeface="Times New Roman" panose="02020603050405020304" pitchFamily="18" charset="0"/>
+                    <a:ea typeface="仿宋" panose="02010609060101010101" pitchFamily="49" charset="-122"/>
+                  </a:rPr>
+                  <a:t>Query Signature</a:t>
+                </a:r>
+                <a:br>
+                  <a:rPr lang="en-US" altLang="zh-CN" sz="1200" dirty="0">
+                    <a:latin typeface="Times New Roman" panose="02020603050405020304" pitchFamily="18" charset="0"/>
+                    <a:ea typeface="仿宋" panose="02010609060101010101" pitchFamily="49" charset="-122"/>
+                  </a:rPr>
+                </a:br>
+                <a14:m>
+                  <m:oMathPara xmlns:m="http://schemas.openxmlformats.org/officeDocument/2006/math">
+                    <m:oMathParaPr>
+                      <m:jc m:val="centerGroup"/>
+                    </m:oMathParaPr>
+                    <m:oMath xmlns:m="http://schemas.openxmlformats.org/officeDocument/2006/math">
+                      <m:r>
+                        <a:rPr lang="en-US" altLang="zh-CN" sz="1200" b="0" i="1" smtClean="0">
+                          <a:latin typeface="Cambria Math" panose="02040503050406030204" pitchFamily="18" charset="0"/>
+                          <a:ea typeface="仿宋" panose="02010609060101010101" pitchFamily="49" charset="-122"/>
+                        </a:rPr>
+                        <m:t>(1×128×512)</m:t>
+                      </m:r>
+                    </m:oMath>
+                  </m:oMathPara>
+                </a14:m>
+                <a:endParaRPr lang="en-US" altLang="zh-CN" sz="1200" dirty="0">
+                  <a:latin typeface="Times New Roman" panose="02020603050405020304" pitchFamily="18" charset="0"/>
+                  <a:ea typeface="仿宋" panose="02010609060101010101" pitchFamily="49" charset="-122"/>
+                </a:endParaRPr>
+              </a:p>
+            </p:txBody>
+          </p:sp>
+        </mc:Choice>
+        <mc:Fallback>
+          <p:sp>
+            <p:nvSpPr>
+              <p:cNvPr id="7" name="文本框 6">
+                <a:extLst>
+                  <a:ext uri="{FF2B5EF4-FFF2-40B4-BE49-F238E27FC236}">
+                    <a16:creationId xmlns:a16="http://schemas.microsoft.com/office/drawing/2014/main" id="{C1924A04-E158-1933-D718-51CA0249EFF4}"/>
+                  </a:ext>
+                </a:extLst>
+              </p:cNvPr>
+              <p:cNvSpPr txBox="1">
+                <a:spLocks noRot="1" noChangeAspect="1" noMove="1" noResize="1" noEditPoints="1" noAdjustHandles="1" noChangeArrowheads="1" noChangeShapeType="1" noTextEdit="1"/>
+              </p:cNvSpPr>
+              <p:nvPr/>
+            </p:nvSpPr>
+            <p:spPr>
+              <a:xfrm>
+                <a:off x="165288" y="4592327"/>
+                <a:ext cx="1514465" cy="461665"/>
+              </a:xfrm>
+              <a:prstGeom prst="rect">
+                <a:avLst/>
+              </a:prstGeom>
+              <a:blipFill>
+                <a:blip r:embed="rId2"/>
+                <a:stretch>
+                  <a:fillRect b="-5405"/>
+                </a:stretch>
+              </a:blipFill>
+            </p:spPr>
+            <p:txBody>
+              <a:bodyPr/>
+              <a:lstStyle/>
+              <a:p>
+                <a:r>
+                  <a:rPr lang="zh-CN" altLang="en-US">
+                    <a:noFill/>
+                  </a:rPr>
+                  <a:t> </a:t>
+                </a:r>
+              </a:p>
+            </p:txBody>
+          </p:sp>
+        </mc:Fallback>
+      </mc:AlternateContent>
+      <mc:AlternateContent xmlns:mc="http://schemas.openxmlformats.org/markup-compatibility/2006">
+        <mc:Choice xmlns:a14="http://schemas.microsoft.com/office/drawing/2010/main" Requires="a14">
+          <p:sp>
+            <p:nvSpPr>
+              <p:cNvPr id="8" name="文本框 7">
+                <a:extLst>
+                  <a:ext uri="{FF2B5EF4-FFF2-40B4-BE49-F238E27FC236}">
+                    <a16:creationId xmlns:a16="http://schemas.microsoft.com/office/drawing/2014/main" id="{998D01A5-10B8-7FA7-9744-9B0EF48C54DB}"/>
+                  </a:ext>
+                </a:extLst>
+              </p:cNvPr>
+              <p:cNvSpPr txBox="1"/>
+              <p:nvPr/>
+            </p:nvSpPr>
+            <p:spPr>
+              <a:xfrm>
+                <a:off x="206415" y="1616099"/>
+                <a:ext cx="1432209" cy="461665"/>
+              </a:xfrm>
+              <a:prstGeom prst="rect">
+                <a:avLst/>
+              </a:prstGeom>
+              <a:noFill/>
+            </p:spPr>
+            <p:txBody>
+              <a:bodyPr wrap="square" rtlCol="0">
+                <a:spAutoFit/>
+              </a:bodyPr>
+              <a:lstStyle/>
+              <a:p>
+                <a:pPr algn="ctr"/>
+                <a:r>
+                  <a:rPr lang="en-US" altLang="zh-CN" sz="1200" dirty="0">
+                    <a:latin typeface="Times New Roman" panose="02020603050405020304" pitchFamily="18" charset="0"/>
+                    <a:ea typeface="仿宋" panose="02010609060101010101" pitchFamily="49" charset="-122"/>
+                  </a:rPr>
+                  <a:t>Reference Signature</a:t>
+                </a:r>
+              </a:p>
+              <a:p>
+                <a:pPr algn="ctr"/>
+                <a14:m>
+                  <m:oMathPara xmlns:m="http://schemas.openxmlformats.org/officeDocument/2006/math">
+                    <m:oMathParaPr>
+                      <m:jc m:val="centerGroup"/>
+                    </m:oMathParaPr>
+                    <m:oMath xmlns:m="http://schemas.openxmlformats.org/officeDocument/2006/math">
+                      <m:r>
+                        <a:rPr lang="en-US" altLang="zh-CN" sz="1200" b="0" i="1" smtClean="0">
+                          <a:latin typeface="Cambria Math" panose="02040503050406030204" pitchFamily="18" charset="0"/>
+                          <a:ea typeface="仿宋" panose="02010609060101010101" pitchFamily="49" charset="-122"/>
+                        </a:rPr>
+                        <m:t>(1×128×512)</m:t>
+                      </m:r>
+                    </m:oMath>
+                  </m:oMathPara>
+                </a14:m>
+                <a:endParaRPr lang="zh-CN" altLang="en-US" sz="1200" dirty="0">
+                  <a:latin typeface="Times New Roman" panose="02020603050405020304" pitchFamily="18" charset="0"/>
+                  <a:ea typeface="仿宋" panose="02010609060101010101" pitchFamily="49" charset="-122"/>
+                </a:endParaRPr>
+              </a:p>
+            </p:txBody>
+          </p:sp>
+        </mc:Choice>
+        <mc:Fallback>
+          <p:sp>
+            <p:nvSpPr>
+              <p:cNvPr id="8" name="文本框 7">
+                <a:extLst>
+                  <a:ext uri="{FF2B5EF4-FFF2-40B4-BE49-F238E27FC236}">
+                    <a16:creationId xmlns:a16="http://schemas.microsoft.com/office/drawing/2014/main" id="{998D01A5-10B8-7FA7-9744-9B0EF48C54DB}"/>
+                  </a:ext>
+                </a:extLst>
+              </p:cNvPr>
+              <p:cNvSpPr txBox="1">
+                <a:spLocks noRot="1" noChangeAspect="1" noMove="1" noResize="1" noEditPoints="1" noAdjustHandles="1" noChangeArrowheads="1" noChangeShapeType="1" noTextEdit="1"/>
+              </p:cNvSpPr>
+              <p:nvPr/>
+            </p:nvSpPr>
+            <p:spPr>
+              <a:xfrm>
+                <a:off x="206415" y="1616099"/>
+                <a:ext cx="1432209" cy="461665"/>
+              </a:xfrm>
+              <a:prstGeom prst="rect">
+                <a:avLst/>
+              </a:prstGeom>
+              <a:blipFill>
+                <a:blip r:embed="rId3"/>
+                <a:stretch>
+                  <a:fillRect b="-5405"/>
+                </a:stretch>
+              </a:blipFill>
+            </p:spPr>
+            <p:txBody>
+              <a:bodyPr/>
+              <a:lstStyle/>
+              <a:p>
+                <a:r>
+                  <a:rPr lang="zh-CN" altLang="en-US">
+                    <a:noFill/>
+                  </a:rPr>
+                  <a:t> </a:t>
+                </a:r>
+              </a:p>
+            </p:txBody>
+          </p:sp>
+        </mc:Fallback>
+      </mc:AlternateContent>
+      <p:pic>
+        <p:nvPicPr>
+          <p:cNvPr id="9" name="图片 8">
+            <a:extLst>
+              <a:ext uri="{FF2B5EF4-FFF2-40B4-BE49-F238E27FC236}">
+                <a16:creationId xmlns:a16="http://schemas.microsoft.com/office/drawing/2014/main" id="{C01C08C0-4FBC-813D-FD50-769DDB8DA1DC}"/>
+              </a:ext>
+            </a:extLst>
+          </p:cNvPr>
+          <p:cNvPicPr>
+            <a:picLocks noChangeAspect="1"/>
+          </p:cNvPicPr>
+          <p:nvPr/>
+        </p:nvPicPr>
+        <p:blipFill>
+          <a:blip r:embed="rId4">
+            <a:extLst>
+              <a:ext uri="{28A0092B-C50C-407E-A947-70E740481C1C}">
+                <a14:useLocalDpi xmlns:a14="http://schemas.microsoft.com/office/drawing/2010/main" val="0"/>
+              </a:ext>
+            </a:extLst>
+          </a:blip>
+          <a:srcRect l="8264" r="22985" b="18327"/>
+          <a:stretch/>
+        </p:blipFill>
+        <p:spPr>
+          <a:xfrm>
+            <a:off x="68239" y="2077764"/>
+            <a:ext cx="1745176" cy="719435"/>
+          </a:xfrm>
+          <a:prstGeom prst="rect">
+            <a:avLst/>
+          </a:prstGeom>
+          <a:ln w="12700">
+            <a:solidFill>
+              <a:schemeClr val="tx1"/>
+            </a:solidFill>
+          </a:ln>
+        </p:spPr>
+      </p:pic>
+      <p:pic>
+        <p:nvPicPr>
+          <p:cNvPr id="10" name="图片 9">
+            <a:extLst>
+              <a:ext uri="{FF2B5EF4-FFF2-40B4-BE49-F238E27FC236}">
+                <a16:creationId xmlns:a16="http://schemas.microsoft.com/office/drawing/2014/main" id="{40A3F17D-669A-585D-77EB-F5046661D2E5}"/>
+              </a:ext>
+            </a:extLst>
+          </p:cNvPr>
+          <p:cNvPicPr>
+            <a:picLocks noChangeAspect="1"/>
+          </p:cNvPicPr>
+          <p:nvPr/>
+        </p:nvPicPr>
+        <p:blipFill>
+          <a:blip r:embed="rId5">
+            <a:extLst>
+              <a:ext uri="{28A0092B-C50C-407E-A947-70E740481C1C}">
+                <a14:useLocalDpi xmlns:a14="http://schemas.microsoft.com/office/drawing/2010/main" val="0"/>
+              </a:ext>
+            </a:extLst>
+          </a:blip>
+          <a:srcRect l="4158" r="6918" b="-3775"/>
+          <a:stretch/>
+        </p:blipFill>
+        <p:spPr>
+          <a:xfrm>
+            <a:off x="68238" y="3872892"/>
+            <a:ext cx="1745177" cy="719435"/>
+          </a:xfrm>
+          <a:prstGeom prst="rect">
+            <a:avLst/>
+          </a:prstGeom>
+          <a:ln w="12700">
+            <a:solidFill>
+              <a:schemeClr val="tx1"/>
+            </a:solidFill>
+          </a:ln>
+        </p:spPr>
+      </p:pic>
+      <p:sp>
+        <p:nvSpPr>
+          <p:cNvPr id="13" name="Google Shape;6736;p68">
+            <a:extLst>
+              <a:ext uri="{FF2B5EF4-FFF2-40B4-BE49-F238E27FC236}">
+                <a16:creationId xmlns:a16="http://schemas.microsoft.com/office/drawing/2014/main" id="{9E1B2A24-A96C-3015-AFE3-53971C7E075B}"/>
+              </a:ext>
+            </a:extLst>
+          </p:cNvPr>
+          <p:cNvSpPr>
+            <a:spLocks/>
+          </p:cNvSpPr>
+          <p:nvPr/>
+        </p:nvSpPr>
+        <p:spPr>
+          <a:xfrm>
+            <a:off x="10609286" y="3984322"/>
+            <a:ext cx="525439" cy="488667"/>
+          </a:xfrm>
+          <a:prstGeom prst="cube">
+            <a:avLst>
+              <a:gd name="adj" fmla="val 82378"/>
+            </a:avLst>
+          </a:prstGeom>
+          <a:solidFill>
+            <a:schemeClr val="bg1"/>
+          </a:solidFill>
+          <a:ln w="9525" cap="flat" cmpd="sng">
+            <a:solidFill>
+              <a:schemeClr val="tx1"/>
+            </a:solidFill>
+            <a:prstDash val="solid"/>
+            <a:round/>
+            <a:headEnd type="none" w="sm" len="sm"/>
+            <a:tailEnd type="none" w="sm" len="sm"/>
+          </a:ln>
+          <a:effectLst>
+            <a:outerShdw blurRad="57150" dist="19050" dir="5400000" algn="bl" rotWithShape="0">
+              <a:srgbClr val="00FFFF">
+                <a:alpha val="50000"/>
+              </a:srgbClr>
+            </a:outerShdw>
+          </a:effectLst>
+          <a:scene3d>
+            <a:camera prst="orthographicFront">
+              <a:rot lat="0" lon="540000" rev="0"/>
+            </a:camera>
+            <a:lightRig rig="threePt" dir="t"/>
+          </a:scene3d>
+        </p:spPr>
+        <p:txBody>
+          <a:bodyPr spcFirstLastPara="1" wrap="square" lIns="91425" tIns="91425" rIns="91425" bIns="91425" anchor="ctr" anchorCtr="0">
+            <a:noAutofit/>
+          </a:bodyPr>
+          <a:lstStyle/>
+          <a:p>
+            <a:pPr defTabSz="914399">
+              <a:buClr>
+                <a:srgbClr val="000000"/>
+              </a:buClr>
+            </a:pPr>
+            <a:endParaRPr sz="1600" kern="0">
+              <a:solidFill>
+                <a:srgbClr val="000000"/>
+              </a:solidFill>
+              <a:latin typeface="Times New Roman" panose="02020603050405020304" pitchFamily="18" charset="0"/>
+              <a:ea typeface="仿宋" panose="02010609060101010101" pitchFamily="49" charset="-122"/>
+              <a:cs typeface="Arial"/>
+              <a:sym typeface="Arial"/>
+            </a:endParaRPr>
+          </a:p>
+        </p:txBody>
+      </p:sp>
+      <p:sp>
+        <p:nvSpPr>
+          <p:cNvPr id="14" name="矩形: 圆角 1069">
+            <a:extLst>
+              <a:ext uri="{FF2B5EF4-FFF2-40B4-BE49-F238E27FC236}">
+                <a16:creationId xmlns:a16="http://schemas.microsoft.com/office/drawing/2014/main" id="{0021BB64-5D30-B69E-ECCA-612D63877AE0}"/>
+              </a:ext>
+            </a:extLst>
+          </p:cNvPr>
+          <p:cNvSpPr/>
+          <p:nvPr/>
+        </p:nvSpPr>
+        <p:spPr>
+          <a:xfrm>
+            <a:off x="10500170" y="3207596"/>
+            <a:ext cx="743804" cy="229515"/>
+          </a:xfrm>
+          <a:prstGeom prst="roundRect">
+            <a:avLst/>
+          </a:prstGeom>
+          <a:solidFill>
+            <a:schemeClr val="bg2"/>
+          </a:solidFill>
+          <a:ln w="12700">
+            <a:solidFill>
+              <a:schemeClr val="bg1"/>
+            </a:solidFill>
+          </a:ln>
+        </p:spPr>
+        <p:style>
+          <a:lnRef idx="2">
+            <a:schemeClr val="accent1">
+              <a:shade val="50000"/>
+            </a:schemeClr>
+          </a:lnRef>
+          <a:fillRef idx="1">
+            <a:schemeClr val="accent1"/>
+          </a:fillRef>
+          <a:effectRef idx="0">
+            <a:schemeClr val="accent1"/>
+          </a:effectRef>
+          <a:fontRef idx="minor">
+            <a:schemeClr val="lt1"/>
+          </a:fontRef>
+        </p:style>
+        <p:txBody>
+          <a:bodyPr rtlCol="0" anchor="ctr"/>
+          <a:lstStyle/>
+          <a:p>
+            <a:pPr algn="ctr"/>
+            <a:r>
+              <a:rPr lang="en-US" altLang="zh-CN" sz="1200" dirty="0">
+                <a:solidFill>
+                  <a:schemeClr val="tx1"/>
+                </a:solidFill>
+                <a:latin typeface="Times New Roman" panose="02020603050405020304" pitchFamily="18" charset="0"/>
+                <a:ea typeface="仿宋" panose="02010609060101010101" pitchFamily="49" charset="-122"/>
+              </a:rPr>
+              <a:t>Distance</a:t>
+            </a:r>
+            <a:endParaRPr lang="zh-CN" altLang="en-US" sz="1200" dirty="0">
+              <a:solidFill>
+                <a:schemeClr val="tx1"/>
+              </a:solidFill>
+              <a:latin typeface="Times New Roman" panose="02020603050405020304" pitchFamily="18" charset="0"/>
+              <a:ea typeface="仿宋" panose="02010609060101010101" pitchFamily="49" charset="-122"/>
+            </a:endParaRPr>
+          </a:p>
+        </p:txBody>
+      </p:sp>
+      <p:sp>
+        <p:nvSpPr>
+          <p:cNvPr id="15" name="Google Shape;6736;p68">
+            <a:extLst>
+              <a:ext uri="{FF2B5EF4-FFF2-40B4-BE49-F238E27FC236}">
+                <a16:creationId xmlns:a16="http://schemas.microsoft.com/office/drawing/2014/main" id="{861442F6-FE9A-477A-D96C-10FF5955C3EF}"/>
+              </a:ext>
+            </a:extLst>
+          </p:cNvPr>
+          <p:cNvSpPr>
+            <a:spLocks/>
+          </p:cNvSpPr>
+          <p:nvPr/>
+        </p:nvSpPr>
+        <p:spPr>
+          <a:xfrm>
+            <a:off x="10609286" y="2190437"/>
+            <a:ext cx="525439" cy="488667"/>
+          </a:xfrm>
+          <a:prstGeom prst="cube">
+            <a:avLst>
+              <a:gd name="adj" fmla="val 82378"/>
+            </a:avLst>
+          </a:prstGeom>
+          <a:solidFill>
+            <a:schemeClr val="bg1"/>
+          </a:solidFill>
+          <a:ln w="9525" cap="flat" cmpd="sng">
+            <a:solidFill>
+              <a:schemeClr val="tx1"/>
+            </a:solidFill>
+            <a:prstDash val="solid"/>
+            <a:round/>
+            <a:headEnd type="none" w="sm" len="sm"/>
+            <a:tailEnd type="none" w="sm" len="sm"/>
+          </a:ln>
+          <a:effectLst>
+            <a:outerShdw blurRad="57150" dist="19050" dir="5400000" algn="bl" rotWithShape="0">
+              <a:srgbClr val="00FFFF">
+                <a:alpha val="50000"/>
+              </a:srgbClr>
+            </a:outerShdw>
+          </a:effectLst>
+          <a:scene3d>
+            <a:camera prst="orthographicFront">
+              <a:rot lat="0" lon="540000" rev="0"/>
+            </a:camera>
+            <a:lightRig rig="threePt" dir="t"/>
+          </a:scene3d>
+        </p:spPr>
+        <p:txBody>
+          <a:bodyPr spcFirstLastPara="1" wrap="square" lIns="91425" tIns="91425" rIns="91425" bIns="91425" anchor="ctr" anchorCtr="0">
+            <a:noAutofit/>
+          </a:bodyPr>
+          <a:lstStyle/>
+          <a:p>
+            <a:pPr defTabSz="914399">
+              <a:buClr>
+                <a:srgbClr val="000000"/>
+              </a:buClr>
+            </a:pPr>
+            <a:endParaRPr sz="1600" kern="0">
+              <a:solidFill>
+                <a:srgbClr val="000000"/>
+              </a:solidFill>
+              <a:latin typeface="Times New Roman" panose="02020603050405020304" pitchFamily="18" charset="0"/>
+              <a:ea typeface="仿宋" panose="02010609060101010101" pitchFamily="49" charset="-122"/>
+              <a:cs typeface="Arial"/>
+              <a:sym typeface="Arial"/>
+            </a:endParaRPr>
+          </a:p>
+        </p:txBody>
+      </p:sp>
+      <p:sp>
+        <p:nvSpPr>
+          <p:cNvPr id="16" name="矩形: 圆角 1104">
+            <a:extLst>
+              <a:ext uri="{FF2B5EF4-FFF2-40B4-BE49-F238E27FC236}">
+                <a16:creationId xmlns:a16="http://schemas.microsoft.com/office/drawing/2014/main" id="{1A95D40E-F734-6DEE-07F3-0B8D17B7F84D}"/>
+              </a:ext>
+            </a:extLst>
+          </p:cNvPr>
+          <p:cNvSpPr/>
+          <p:nvPr/>
+        </p:nvSpPr>
+        <p:spPr>
+          <a:xfrm>
+            <a:off x="11408428" y="3030337"/>
+            <a:ext cx="759309" cy="586623"/>
+          </a:xfrm>
+          <a:prstGeom prst="roundRect">
+            <a:avLst/>
+          </a:prstGeom>
+          <a:solidFill>
+            <a:schemeClr val="accent5">
+              <a:lumMod val="20000"/>
+              <a:lumOff val="80000"/>
+            </a:schemeClr>
+          </a:solidFill>
+          <a:ln w="12700">
+            <a:noFill/>
+          </a:ln>
+        </p:spPr>
+        <p:style>
+          <a:lnRef idx="2">
+            <a:schemeClr val="accent1">
+              <a:shade val="50000"/>
+            </a:schemeClr>
+          </a:lnRef>
+          <a:fillRef idx="1">
+            <a:schemeClr val="accent1"/>
+          </a:fillRef>
+          <a:effectRef idx="0">
+            <a:schemeClr val="accent1"/>
+          </a:effectRef>
+          <a:fontRef idx="minor">
+            <a:schemeClr val="lt1"/>
+          </a:fontRef>
+        </p:style>
+        <p:txBody>
+          <a:bodyPr rtlCol="0" anchor="ctr"/>
+          <a:lstStyle/>
+          <a:p>
+            <a:pPr algn="ctr"/>
+            <a:r>
+              <a:rPr lang="en-US" altLang="zh-CN" sz="1200" dirty="0">
+                <a:solidFill>
+                  <a:schemeClr val="tx1"/>
+                </a:solidFill>
+                <a:latin typeface="Times New Roman" panose="02020603050405020304" pitchFamily="18" charset="0"/>
+                <a:ea typeface="仿宋" panose="02010609060101010101" pitchFamily="49" charset="-122"/>
+              </a:rPr>
+              <a:t>Forged</a:t>
+            </a:r>
+            <a:br>
+              <a:rPr lang="en-US" altLang="zh-CN" sz="1200" dirty="0">
+                <a:solidFill>
+                  <a:schemeClr val="tx1"/>
+                </a:solidFill>
+                <a:latin typeface="Times New Roman" panose="02020603050405020304" pitchFamily="18" charset="0"/>
+                <a:ea typeface="仿宋" panose="02010609060101010101" pitchFamily="49" charset="-122"/>
+              </a:rPr>
+            </a:br>
+            <a:r>
+              <a:rPr lang="en-US" altLang="zh-CN" sz="1200" dirty="0">
+                <a:solidFill>
+                  <a:schemeClr val="tx1"/>
+                </a:solidFill>
+                <a:latin typeface="Times New Roman" panose="02020603050405020304" pitchFamily="18" charset="0"/>
+                <a:ea typeface="仿宋" panose="02010609060101010101" pitchFamily="49" charset="-122"/>
+              </a:rPr>
+              <a:t>or </a:t>
+            </a:r>
+          </a:p>
+          <a:p>
+            <a:pPr algn="ctr"/>
+            <a:r>
+              <a:rPr lang="en-US" altLang="zh-CN" sz="1200" dirty="0">
+                <a:solidFill>
+                  <a:schemeClr val="tx1"/>
+                </a:solidFill>
+                <a:latin typeface="Times New Roman" panose="02020603050405020304" pitchFamily="18" charset="0"/>
+                <a:ea typeface="仿宋" panose="02010609060101010101" pitchFamily="49" charset="-122"/>
+              </a:rPr>
+              <a:t>Genuine</a:t>
+            </a:r>
+          </a:p>
+        </p:txBody>
+      </p:sp>
+      <p:sp>
+        <p:nvSpPr>
+          <p:cNvPr id="32" name="矩形: 圆角 64">
+            <a:extLst>
+              <a:ext uri="{FF2B5EF4-FFF2-40B4-BE49-F238E27FC236}">
+                <a16:creationId xmlns:a16="http://schemas.microsoft.com/office/drawing/2014/main" id="{2355E500-8F11-02B6-7C31-4C8ABBD44704}"/>
+              </a:ext>
+            </a:extLst>
+          </p:cNvPr>
+          <p:cNvSpPr/>
+          <p:nvPr/>
+        </p:nvSpPr>
+        <p:spPr>
+          <a:xfrm>
+            <a:off x="1972505" y="3553037"/>
+            <a:ext cx="1199405" cy="1351236"/>
+          </a:xfrm>
+          <a:prstGeom prst="roundRect">
+            <a:avLst>
+              <a:gd name="adj" fmla="val 5480"/>
+            </a:avLst>
+          </a:prstGeom>
+          <a:solidFill>
+            <a:schemeClr val="bg1">
+              <a:lumMod val="95000"/>
+            </a:schemeClr>
+          </a:solidFill>
+          <a:ln w="12700">
+            <a:solidFill>
+              <a:schemeClr val="tx1"/>
+            </a:solidFill>
+          </a:ln>
+        </p:spPr>
+        <p:style>
+          <a:lnRef idx="2">
+            <a:schemeClr val="accent1">
+              <a:shade val="50000"/>
+            </a:schemeClr>
+          </a:lnRef>
+          <a:fillRef idx="1">
+            <a:schemeClr val="accent1"/>
+          </a:fillRef>
+          <a:effectRef idx="0">
+            <a:schemeClr val="accent1"/>
+          </a:effectRef>
+          <a:fontRef idx="minor">
+            <a:schemeClr val="lt1"/>
+          </a:fontRef>
+        </p:style>
+        <p:txBody>
+          <a:bodyPr rtlCol="0" anchor="ctr"/>
+          <a:lstStyle/>
+          <a:p>
+            <a:pPr algn="ctr"/>
+            <a:r>
+              <a:rPr lang="en-US" altLang="zh-CN" sz="1400" dirty="0">
+                <a:solidFill>
+                  <a:schemeClr val="tx1"/>
+                </a:solidFill>
+                <a:latin typeface="Times New Roman" panose="02020603050405020304" pitchFamily="18" charset="0"/>
+                <a:ea typeface="仿宋" panose="02010609060101010101" pitchFamily="49" charset="-122"/>
+              </a:rPr>
+              <a:t>Backbone</a:t>
+            </a:r>
+          </a:p>
+        </p:txBody>
+      </p:sp>
+      <p:sp>
+        <p:nvSpPr>
+          <p:cNvPr id="33" name="矩形: 圆角 424">
+            <a:extLst>
+              <a:ext uri="{FF2B5EF4-FFF2-40B4-BE49-F238E27FC236}">
+                <a16:creationId xmlns:a16="http://schemas.microsoft.com/office/drawing/2014/main" id="{6E9CA366-63B9-86C1-9326-1D1A30AF851C}"/>
+              </a:ext>
+            </a:extLst>
+          </p:cNvPr>
+          <p:cNvSpPr/>
+          <p:nvPr/>
+        </p:nvSpPr>
+        <p:spPr>
+          <a:xfrm>
+            <a:off x="3348348" y="3553037"/>
+            <a:ext cx="1199405" cy="1351236"/>
+          </a:xfrm>
+          <a:prstGeom prst="roundRect">
+            <a:avLst>
+              <a:gd name="adj" fmla="val 8478"/>
+            </a:avLst>
+          </a:prstGeom>
+          <a:solidFill>
+            <a:schemeClr val="accent6">
+              <a:lumMod val="60000"/>
+              <a:lumOff val="40000"/>
+            </a:schemeClr>
+          </a:solidFill>
+          <a:ln w="12700">
+            <a:solidFill>
+              <a:schemeClr val="tx1"/>
+            </a:solidFill>
+          </a:ln>
+        </p:spPr>
+        <p:style>
+          <a:lnRef idx="2">
+            <a:schemeClr val="accent1">
+              <a:shade val="50000"/>
+            </a:schemeClr>
+          </a:lnRef>
+          <a:fillRef idx="1">
+            <a:schemeClr val="accent1"/>
+          </a:fillRef>
+          <a:effectRef idx="0">
+            <a:schemeClr val="accent1"/>
+          </a:effectRef>
+          <a:fontRef idx="minor">
+            <a:schemeClr val="lt1"/>
+          </a:fontRef>
+        </p:style>
+        <p:txBody>
+          <a:bodyPr rtlCol="0" anchor="ctr"/>
+          <a:lstStyle/>
+          <a:p>
+            <a:pPr algn="ctr"/>
+            <a:r>
+              <a:rPr lang="en-US" altLang="zh-CN" sz="1400" dirty="0">
+                <a:solidFill>
+                  <a:schemeClr val="tx1"/>
+                </a:solidFill>
+                <a:latin typeface="Times New Roman" panose="02020603050405020304" pitchFamily="18" charset="0"/>
+                <a:ea typeface="仿宋" panose="02010609060101010101" pitchFamily="49" charset="-122"/>
+              </a:rPr>
+              <a:t>FPN Fusion</a:t>
+            </a:r>
+            <a:endParaRPr lang="zh-CN" altLang="en-US" sz="1400" dirty="0">
+              <a:solidFill>
+                <a:schemeClr val="tx1"/>
+              </a:solidFill>
+              <a:latin typeface="Times New Roman" panose="02020603050405020304" pitchFamily="18" charset="0"/>
+              <a:ea typeface="仿宋" panose="02010609060101010101" pitchFamily="49" charset="-122"/>
+            </a:endParaRPr>
+          </a:p>
+        </p:txBody>
+      </p:sp>
+      <p:sp>
+        <p:nvSpPr>
+          <p:cNvPr id="34" name="矩形: 圆角 520">
+            <a:extLst>
+              <a:ext uri="{FF2B5EF4-FFF2-40B4-BE49-F238E27FC236}">
+                <a16:creationId xmlns:a16="http://schemas.microsoft.com/office/drawing/2014/main" id="{060783DD-5FDC-AB24-6E37-91561149ECD0}"/>
+              </a:ext>
+            </a:extLst>
+          </p:cNvPr>
+          <p:cNvSpPr/>
+          <p:nvPr/>
+        </p:nvSpPr>
+        <p:spPr>
+          <a:xfrm>
+            <a:off x="4777505" y="3549324"/>
+            <a:ext cx="1798552" cy="1351236"/>
+          </a:xfrm>
+          <a:prstGeom prst="roundRect">
+            <a:avLst>
+              <a:gd name="adj" fmla="val 5480"/>
+            </a:avLst>
+          </a:prstGeom>
+          <a:solidFill>
+            <a:schemeClr val="accent1">
+              <a:lumMod val="20000"/>
+              <a:lumOff val="80000"/>
+            </a:schemeClr>
+          </a:solidFill>
+          <a:ln w="12700">
+            <a:solidFill>
+              <a:schemeClr val="tx1"/>
+            </a:solidFill>
+          </a:ln>
+        </p:spPr>
+        <p:style>
+          <a:lnRef idx="2">
+            <a:schemeClr val="accent1">
+              <a:shade val="50000"/>
+            </a:schemeClr>
+          </a:lnRef>
+          <a:fillRef idx="1">
+            <a:schemeClr val="accent1"/>
+          </a:fillRef>
+          <a:effectRef idx="0">
+            <a:schemeClr val="accent1"/>
+          </a:effectRef>
+          <a:fontRef idx="minor">
+            <a:schemeClr val="lt1"/>
+          </a:fontRef>
+        </p:style>
+        <p:txBody>
+          <a:bodyPr rtlCol="0" anchor="ctr"/>
+          <a:lstStyle/>
+          <a:p>
+            <a:pPr algn="ctr"/>
+            <a:r>
+              <a:rPr lang="en-US" altLang="zh-CN" sz="1600" dirty="0">
+                <a:solidFill>
+                  <a:schemeClr val="tx1"/>
+                </a:solidFill>
+                <a:latin typeface="Times New Roman" panose="02020603050405020304" pitchFamily="18" charset="0"/>
+                <a:ea typeface="仿宋" panose="02010609060101010101" pitchFamily="49" charset="-122"/>
+              </a:rPr>
+              <a:t>Holistic Encoder</a:t>
+            </a:r>
+          </a:p>
+        </p:txBody>
+      </p:sp>
+      <p:sp>
+        <p:nvSpPr>
+          <p:cNvPr id="35" name="矩形: 圆角 634">
+            <a:extLst>
+              <a:ext uri="{FF2B5EF4-FFF2-40B4-BE49-F238E27FC236}">
+                <a16:creationId xmlns:a16="http://schemas.microsoft.com/office/drawing/2014/main" id="{72A10F61-3EEA-2865-E6CB-D2198A4844FB}"/>
+              </a:ext>
+            </a:extLst>
+          </p:cNvPr>
+          <p:cNvSpPr/>
+          <p:nvPr/>
+        </p:nvSpPr>
+        <p:spPr>
+          <a:xfrm>
+            <a:off x="6802391" y="3547281"/>
+            <a:ext cx="1280776" cy="1347523"/>
+          </a:xfrm>
+          <a:prstGeom prst="roundRect">
+            <a:avLst>
+              <a:gd name="adj" fmla="val 9844"/>
+            </a:avLst>
+          </a:prstGeom>
+          <a:solidFill>
+            <a:schemeClr val="accent4">
+              <a:lumMod val="40000"/>
+              <a:lumOff val="60000"/>
+            </a:schemeClr>
+          </a:solidFill>
+          <a:ln w="12700">
+            <a:solidFill>
+              <a:schemeClr val="tx1"/>
+            </a:solidFill>
+          </a:ln>
+        </p:spPr>
+        <p:style>
+          <a:lnRef idx="2">
+            <a:schemeClr val="accent1">
+              <a:shade val="50000"/>
+            </a:schemeClr>
+          </a:lnRef>
+          <a:fillRef idx="1">
+            <a:schemeClr val="accent1"/>
+          </a:fillRef>
+          <a:effectRef idx="0">
+            <a:schemeClr val="accent1"/>
+          </a:effectRef>
+          <a:fontRef idx="minor">
+            <a:schemeClr val="lt1"/>
+          </a:fontRef>
+        </p:style>
+        <p:txBody>
+          <a:bodyPr rtlCol="0" anchor="ctr"/>
+          <a:lstStyle/>
+          <a:p>
+            <a:pPr algn="ctr"/>
+            <a:r>
+              <a:rPr lang="en-US" altLang="zh-CN" sz="1400" dirty="0">
+                <a:solidFill>
+                  <a:schemeClr val="tx1"/>
+                </a:solidFill>
+                <a:latin typeface="Times New Roman" panose="02020603050405020304" pitchFamily="18" charset="0"/>
+                <a:ea typeface="仿宋" panose="02010609060101010101" pitchFamily="49" charset="-122"/>
+              </a:rPr>
+              <a:t>Conv-Module</a:t>
+            </a:r>
+            <a:endParaRPr lang="zh-CN" altLang="en-US" sz="1400" dirty="0">
+              <a:solidFill>
+                <a:schemeClr val="tx1"/>
+              </a:solidFill>
+              <a:latin typeface="Times New Roman" panose="02020603050405020304" pitchFamily="18" charset="0"/>
+              <a:ea typeface="仿宋" panose="02010609060101010101" pitchFamily="49" charset="-122"/>
+            </a:endParaRPr>
+          </a:p>
+        </p:txBody>
+      </p:sp>
+      <p:cxnSp>
+        <p:nvCxnSpPr>
+          <p:cNvPr id="36" name="直接箭头连接符 136">
+            <a:extLst>
+              <a:ext uri="{FF2B5EF4-FFF2-40B4-BE49-F238E27FC236}">
+                <a16:creationId xmlns:a16="http://schemas.microsoft.com/office/drawing/2014/main" id="{DDB143B7-2488-F10A-1BEF-CCFDB3E19192}"/>
+              </a:ext>
+            </a:extLst>
+          </p:cNvPr>
+          <p:cNvCxnSpPr>
+            <a:cxnSpLocks/>
+          </p:cNvCxnSpPr>
+          <p:nvPr/>
+        </p:nvCxnSpPr>
+        <p:spPr>
+          <a:xfrm>
+            <a:off x="1813415" y="2437482"/>
+            <a:ext cx="8955278" cy="0"/>
+          </a:xfrm>
+          <a:prstGeom prst="straightConnector1">
+            <a:avLst/>
+          </a:prstGeom>
+          <a:ln w="12700">
+            <a:solidFill>
+              <a:schemeClr val="tx1"/>
+            </a:solidFill>
+            <a:tailEnd type="triangle"/>
+          </a:ln>
+        </p:spPr>
+        <p:style>
+          <a:lnRef idx="1">
+            <a:schemeClr val="accent1"/>
+          </a:lnRef>
+          <a:fillRef idx="0">
+            <a:schemeClr val="accent1"/>
+          </a:fillRef>
+          <a:effectRef idx="0">
+            <a:schemeClr val="accent1"/>
+          </a:effectRef>
+          <a:fontRef idx="minor">
+            <a:schemeClr val="tx1"/>
+          </a:fontRef>
+        </p:style>
+      </p:cxnSp>
+      <p:sp>
+        <p:nvSpPr>
+          <p:cNvPr id="5" name="矩形: 圆角 520">
+            <a:extLst>
+              <a:ext uri="{FF2B5EF4-FFF2-40B4-BE49-F238E27FC236}">
+                <a16:creationId xmlns:a16="http://schemas.microsoft.com/office/drawing/2014/main" id="{FAB6A7E2-D9DA-D519-306F-6D7B575A6FB5}"/>
+              </a:ext>
+            </a:extLst>
+          </p:cNvPr>
+          <p:cNvSpPr/>
+          <p:nvPr/>
+        </p:nvSpPr>
+        <p:spPr>
+          <a:xfrm>
+            <a:off x="4789712" y="1755439"/>
+            <a:ext cx="1798552" cy="1351236"/>
+          </a:xfrm>
+          <a:prstGeom prst="roundRect">
+            <a:avLst>
+              <a:gd name="adj" fmla="val 5480"/>
+            </a:avLst>
+          </a:prstGeom>
+          <a:solidFill>
+            <a:schemeClr val="accent1">
+              <a:lumMod val="20000"/>
+              <a:lumOff val="80000"/>
+            </a:schemeClr>
+          </a:solidFill>
+          <a:ln w="12700">
+            <a:solidFill>
+              <a:schemeClr val="tx1"/>
+            </a:solidFill>
+          </a:ln>
+        </p:spPr>
+        <p:style>
+          <a:lnRef idx="2">
+            <a:schemeClr val="accent1">
+              <a:shade val="50000"/>
+            </a:schemeClr>
+          </a:lnRef>
+          <a:fillRef idx="1">
+            <a:schemeClr val="accent1"/>
+          </a:fillRef>
+          <a:effectRef idx="0">
+            <a:schemeClr val="accent1"/>
+          </a:effectRef>
+          <a:fontRef idx="minor">
+            <a:schemeClr val="lt1"/>
+          </a:fontRef>
+        </p:style>
+        <p:txBody>
+          <a:bodyPr rtlCol="0" anchor="ctr"/>
+          <a:lstStyle/>
+          <a:p>
+            <a:pPr algn="ctr"/>
+            <a:r>
+              <a:rPr lang="en-US" altLang="zh-CN" sz="1600" dirty="0">
+                <a:solidFill>
+                  <a:schemeClr val="tx1"/>
+                </a:solidFill>
+                <a:latin typeface="Times New Roman" panose="02020603050405020304" pitchFamily="18" charset="0"/>
+                <a:ea typeface="仿宋" panose="02010609060101010101" pitchFamily="49" charset="-122"/>
+              </a:rPr>
+              <a:t>Holistic Encoder</a:t>
+            </a:r>
+          </a:p>
+        </p:txBody>
+      </p:sp>
+      <p:sp>
+        <p:nvSpPr>
+          <p:cNvPr id="6" name="矩形: 圆角 64">
+            <a:extLst>
+              <a:ext uri="{FF2B5EF4-FFF2-40B4-BE49-F238E27FC236}">
+                <a16:creationId xmlns:a16="http://schemas.microsoft.com/office/drawing/2014/main" id="{C122124F-0584-9478-2788-9CF9134060C1}"/>
+              </a:ext>
+            </a:extLst>
+          </p:cNvPr>
+          <p:cNvSpPr/>
+          <p:nvPr/>
+        </p:nvSpPr>
+        <p:spPr>
+          <a:xfrm>
+            <a:off x="1954935" y="1759152"/>
+            <a:ext cx="1199405" cy="1351236"/>
+          </a:xfrm>
+          <a:prstGeom prst="roundRect">
+            <a:avLst>
+              <a:gd name="adj" fmla="val 11606"/>
+            </a:avLst>
+          </a:prstGeom>
+          <a:solidFill>
+            <a:schemeClr val="bg1">
+              <a:lumMod val="95000"/>
+            </a:schemeClr>
+          </a:solidFill>
+          <a:ln w="12700">
+            <a:solidFill>
+              <a:schemeClr val="tx1"/>
+            </a:solidFill>
+          </a:ln>
+        </p:spPr>
+        <p:style>
+          <a:lnRef idx="2">
+            <a:schemeClr val="accent1">
+              <a:shade val="50000"/>
+            </a:schemeClr>
+          </a:lnRef>
+          <a:fillRef idx="1">
+            <a:schemeClr val="accent1"/>
+          </a:fillRef>
+          <a:effectRef idx="0">
+            <a:schemeClr val="accent1"/>
+          </a:effectRef>
+          <a:fontRef idx="minor">
+            <a:schemeClr val="lt1"/>
+          </a:fontRef>
+        </p:style>
+        <p:txBody>
+          <a:bodyPr rtlCol="0" anchor="ctr"/>
+          <a:lstStyle/>
+          <a:p>
+            <a:pPr algn="ctr"/>
+            <a:r>
+              <a:rPr lang="en-US" altLang="zh-CN" sz="1400" dirty="0">
+                <a:solidFill>
+                  <a:schemeClr val="tx1"/>
+                </a:solidFill>
+                <a:latin typeface="Times New Roman" panose="02020603050405020304" pitchFamily="18" charset="0"/>
+                <a:ea typeface="仿宋" panose="02010609060101010101" pitchFamily="49" charset="-122"/>
+              </a:rPr>
+              <a:t>Backbone</a:t>
+            </a:r>
+          </a:p>
+        </p:txBody>
+      </p:sp>
+      <p:sp>
+        <p:nvSpPr>
+          <p:cNvPr id="11" name="矩形: 圆角 424">
+            <a:extLst>
+              <a:ext uri="{FF2B5EF4-FFF2-40B4-BE49-F238E27FC236}">
+                <a16:creationId xmlns:a16="http://schemas.microsoft.com/office/drawing/2014/main" id="{A6435070-4FD5-959D-82EE-51F9BE6CA7D5}"/>
+              </a:ext>
+            </a:extLst>
+          </p:cNvPr>
+          <p:cNvSpPr/>
+          <p:nvPr/>
+        </p:nvSpPr>
+        <p:spPr>
+          <a:xfrm>
+            <a:off x="3348348" y="1755439"/>
+            <a:ext cx="1199405" cy="1351236"/>
+          </a:xfrm>
+          <a:prstGeom prst="roundRect">
+            <a:avLst>
+              <a:gd name="adj" fmla="val 7116"/>
+            </a:avLst>
+          </a:prstGeom>
+          <a:solidFill>
+            <a:schemeClr val="accent6">
+              <a:lumMod val="60000"/>
+              <a:lumOff val="40000"/>
+            </a:schemeClr>
+          </a:solidFill>
+          <a:ln w="12700">
+            <a:solidFill>
+              <a:schemeClr val="tx1"/>
+            </a:solidFill>
+          </a:ln>
+        </p:spPr>
+        <p:style>
+          <a:lnRef idx="2">
+            <a:schemeClr val="accent1">
+              <a:shade val="50000"/>
+            </a:schemeClr>
+          </a:lnRef>
+          <a:fillRef idx="1">
+            <a:schemeClr val="accent1"/>
+          </a:fillRef>
+          <a:effectRef idx="0">
+            <a:schemeClr val="accent1"/>
+          </a:effectRef>
+          <a:fontRef idx="minor">
+            <a:schemeClr val="lt1"/>
+          </a:fontRef>
+        </p:style>
+        <p:txBody>
+          <a:bodyPr rtlCol="0" anchor="ctr"/>
+          <a:lstStyle/>
+          <a:p>
+            <a:pPr algn="ctr"/>
+            <a:r>
+              <a:rPr lang="en-US" altLang="zh-CN" sz="1400" dirty="0">
+                <a:solidFill>
+                  <a:schemeClr val="tx1"/>
+                </a:solidFill>
+                <a:latin typeface="Times New Roman" panose="02020603050405020304" pitchFamily="18" charset="0"/>
+                <a:ea typeface="仿宋" panose="02010609060101010101" pitchFamily="49" charset="-122"/>
+              </a:rPr>
+              <a:t>FPN Fusion</a:t>
+            </a:r>
+            <a:endParaRPr lang="zh-CN" altLang="en-US" sz="1400" dirty="0">
+              <a:solidFill>
+                <a:schemeClr val="tx1"/>
+              </a:solidFill>
+              <a:latin typeface="Times New Roman" panose="02020603050405020304" pitchFamily="18" charset="0"/>
+              <a:ea typeface="仿宋" panose="02010609060101010101" pitchFamily="49" charset="-122"/>
+            </a:endParaRPr>
+          </a:p>
+        </p:txBody>
+      </p:sp>
+      <p:sp>
+        <p:nvSpPr>
+          <p:cNvPr id="12" name="矩形: 圆角 634">
+            <a:extLst>
+              <a:ext uri="{FF2B5EF4-FFF2-40B4-BE49-F238E27FC236}">
+                <a16:creationId xmlns:a16="http://schemas.microsoft.com/office/drawing/2014/main" id="{6D6AD4D9-F29A-0E35-397E-6A1F97054F9A}"/>
+              </a:ext>
+            </a:extLst>
+          </p:cNvPr>
+          <p:cNvSpPr/>
+          <p:nvPr/>
+        </p:nvSpPr>
+        <p:spPr>
+          <a:xfrm>
+            <a:off x="6802391" y="1761676"/>
+            <a:ext cx="1280776" cy="1347523"/>
+          </a:xfrm>
+          <a:prstGeom prst="roundRect">
+            <a:avLst>
+              <a:gd name="adj" fmla="val 9844"/>
+            </a:avLst>
+          </a:prstGeom>
+          <a:solidFill>
+            <a:schemeClr val="accent4">
+              <a:lumMod val="40000"/>
+              <a:lumOff val="60000"/>
+            </a:schemeClr>
+          </a:solidFill>
+          <a:ln w="12700">
+            <a:solidFill>
+              <a:schemeClr val="tx1"/>
+            </a:solidFill>
+          </a:ln>
+        </p:spPr>
+        <p:style>
+          <a:lnRef idx="2">
+            <a:schemeClr val="accent1">
+              <a:shade val="50000"/>
+            </a:schemeClr>
+          </a:lnRef>
+          <a:fillRef idx="1">
+            <a:schemeClr val="accent1"/>
+          </a:fillRef>
+          <a:effectRef idx="0">
+            <a:schemeClr val="accent1"/>
+          </a:effectRef>
+          <a:fontRef idx="minor">
+            <a:schemeClr val="lt1"/>
+          </a:fontRef>
+        </p:style>
+        <p:txBody>
+          <a:bodyPr rtlCol="0" anchor="ctr"/>
+          <a:lstStyle/>
+          <a:p>
+            <a:pPr algn="ctr"/>
+            <a:r>
+              <a:rPr lang="en-US" altLang="zh-CN" sz="1400" dirty="0">
+                <a:solidFill>
+                  <a:schemeClr val="tx1"/>
+                </a:solidFill>
+                <a:latin typeface="Times New Roman" panose="02020603050405020304" pitchFamily="18" charset="0"/>
+                <a:ea typeface="仿宋" panose="02010609060101010101" pitchFamily="49" charset="-122"/>
+              </a:rPr>
+              <a:t>Conv-Module</a:t>
+            </a:r>
+            <a:endParaRPr lang="zh-CN" altLang="en-US" sz="1400" dirty="0">
+              <a:solidFill>
+                <a:schemeClr val="tx1"/>
+              </a:solidFill>
+              <a:latin typeface="Times New Roman" panose="02020603050405020304" pitchFamily="18" charset="0"/>
+              <a:ea typeface="仿宋" panose="02010609060101010101" pitchFamily="49" charset="-122"/>
+            </a:endParaRPr>
+          </a:p>
+        </p:txBody>
+      </p:sp>
+      <p:cxnSp>
+        <p:nvCxnSpPr>
+          <p:cNvPr id="42" name="直接箭头连接符 1072">
+            <a:extLst>
+              <a:ext uri="{FF2B5EF4-FFF2-40B4-BE49-F238E27FC236}">
+                <a16:creationId xmlns:a16="http://schemas.microsoft.com/office/drawing/2014/main" id="{F6DE48E2-FFA0-80AC-BBF1-B8F9674A9234}"/>
+              </a:ext>
+            </a:extLst>
+          </p:cNvPr>
+          <p:cNvCxnSpPr>
+            <a:cxnSpLocks/>
+          </p:cNvCxnSpPr>
+          <p:nvPr/>
+        </p:nvCxnSpPr>
+        <p:spPr>
+          <a:xfrm>
+            <a:off x="10872072" y="2611120"/>
+            <a:ext cx="0" cy="596476"/>
+          </a:xfrm>
+          <a:prstGeom prst="straightConnector1">
+            <a:avLst/>
+          </a:prstGeom>
+          <a:ln w="12700">
+            <a:solidFill>
+              <a:schemeClr val="tx1"/>
+            </a:solidFill>
+            <a:tailEnd type="triangle"/>
+          </a:ln>
+        </p:spPr>
+        <p:style>
+          <a:lnRef idx="1">
+            <a:schemeClr val="accent1"/>
+          </a:lnRef>
+          <a:fillRef idx="0">
+            <a:schemeClr val="accent1"/>
+          </a:fillRef>
+          <a:effectRef idx="0">
+            <a:schemeClr val="accent1"/>
+          </a:effectRef>
+          <a:fontRef idx="minor">
+            <a:schemeClr val="tx1"/>
+          </a:fontRef>
+        </p:style>
+      </p:cxnSp>
+      <p:cxnSp>
+        <p:nvCxnSpPr>
+          <p:cNvPr id="43" name="直接箭头连接符 1075">
+            <a:extLst>
+              <a:ext uri="{FF2B5EF4-FFF2-40B4-BE49-F238E27FC236}">
+                <a16:creationId xmlns:a16="http://schemas.microsoft.com/office/drawing/2014/main" id="{B5A93DCA-618A-8EFB-5CF7-9EA7E8285027}"/>
+              </a:ext>
+            </a:extLst>
+          </p:cNvPr>
+          <p:cNvCxnSpPr>
+            <a:cxnSpLocks/>
+          </p:cNvCxnSpPr>
+          <p:nvPr/>
+        </p:nvCxnSpPr>
+        <p:spPr>
+          <a:xfrm flipV="1">
+            <a:off x="10872072" y="3437111"/>
+            <a:ext cx="0" cy="606569"/>
+          </a:xfrm>
+          <a:prstGeom prst="straightConnector1">
+            <a:avLst/>
+          </a:prstGeom>
+          <a:ln w="12700">
+            <a:solidFill>
+              <a:schemeClr val="tx1"/>
+            </a:solidFill>
+            <a:tailEnd type="triangle"/>
+          </a:ln>
+        </p:spPr>
+        <p:style>
+          <a:lnRef idx="1">
+            <a:schemeClr val="accent1"/>
+          </a:lnRef>
+          <a:fillRef idx="0">
+            <a:schemeClr val="accent1"/>
+          </a:fillRef>
+          <a:effectRef idx="0">
+            <a:schemeClr val="accent1"/>
+          </a:effectRef>
+          <a:fontRef idx="minor">
+            <a:schemeClr val="tx1"/>
+          </a:fontRef>
+        </p:style>
+      </p:cxnSp>
+      <p:cxnSp>
+        <p:nvCxnSpPr>
+          <p:cNvPr id="44" name="直接箭头连接符 1096">
+            <a:extLst>
+              <a:ext uri="{FF2B5EF4-FFF2-40B4-BE49-F238E27FC236}">
+                <a16:creationId xmlns:a16="http://schemas.microsoft.com/office/drawing/2014/main" id="{C042F443-C4E1-D222-546B-85F7265C8C55}"/>
+              </a:ext>
+            </a:extLst>
+          </p:cNvPr>
+          <p:cNvCxnSpPr>
+            <a:cxnSpLocks/>
+          </p:cNvCxnSpPr>
+          <p:nvPr/>
+        </p:nvCxnSpPr>
+        <p:spPr>
+          <a:xfrm>
+            <a:off x="11243974" y="3322354"/>
+            <a:ext cx="164454" cy="1295"/>
+          </a:xfrm>
+          <a:prstGeom prst="straightConnector1">
+            <a:avLst/>
+          </a:prstGeom>
+          <a:ln w="12700">
+            <a:solidFill>
+              <a:schemeClr val="tx1"/>
+            </a:solidFill>
+            <a:tailEnd type="triangle"/>
+          </a:ln>
+        </p:spPr>
+        <p:style>
+          <a:lnRef idx="1">
+            <a:schemeClr val="accent1"/>
+          </a:lnRef>
+          <a:fillRef idx="0">
+            <a:schemeClr val="accent1"/>
+          </a:fillRef>
+          <a:effectRef idx="0">
+            <a:schemeClr val="accent1"/>
+          </a:effectRef>
+          <a:fontRef idx="minor">
+            <a:schemeClr val="tx1"/>
+          </a:fontRef>
+        </p:style>
+      </p:cxnSp>
+      <p:sp>
+        <p:nvSpPr>
+          <p:cNvPr id="4" name="矩形: 圆角 521">
+            <a:extLst>
+              <a:ext uri="{FF2B5EF4-FFF2-40B4-BE49-F238E27FC236}">
+                <a16:creationId xmlns:a16="http://schemas.microsoft.com/office/drawing/2014/main" id="{F8717E61-41C7-E4E1-57AA-B54A327CEEFC}"/>
+              </a:ext>
+            </a:extLst>
+          </p:cNvPr>
+          <p:cNvSpPr/>
+          <p:nvPr/>
+        </p:nvSpPr>
+        <p:spPr>
+          <a:xfrm>
+            <a:off x="8302353" y="1761676"/>
+            <a:ext cx="1934712" cy="3133128"/>
+          </a:xfrm>
+          <a:prstGeom prst="roundRect">
+            <a:avLst>
+              <a:gd name="adj" fmla="val 4776"/>
+            </a:avLst>
+          </a:prstGeom>
+          <a:solidFill>
+            <a:schemeClr val="bg1">
+              <a:lumMod val="85000"/>
+            </a:schemeClr>
+          </a:solidFill>
+          <a:ln w="12700">
+            <a:solidFill>
+              <a:schemeClr val="tx1"/>
+            </a:solidFill>
+          </a:ln>
+        </p:spPr>
+        <p:style>
+          <a:lnRef idx="2">
+            <a:schemeClr val="accent1">
+              <a:shade val="50000"/>
+            </a:schemeClr>
+          </a:lnRef>
+          <a:fillRef idx="1">
+            <a:schemeClr val="accent1"/>
+          </a:fillRef>
+          <a:effectRef idx="0">
+            <a:schemeClr val="accent1"/>
+          </a:effectRef>
+          <a:fontRef idx="minor">
+            <a:schemeClr val="lt1"/>
+          </a:fontRef>
+        </p:style>
+        <p:txBody>
+          <a:bodyPr rtlCol="0" anchor="ctr"/>
+          <a:lstStyle/>
+          <a:p>
+            <a:pPr algn="ctr"/>
+            <a:r>
+              <a:rPr lang="en-US" altLang="zh-CN" sz="1600" dirty="0">
+                <a:solidFill>
+                  <a:schemeClr val="tx1"/>
+                </a:solidFill>
+                <a:latin typeface="Times New Roman" panose="02020603050405020304" pitchFamily="18" charset="0"/>
+                <a:ea typeface="仿宋" panose="02010609060101010101" pitchFamily="49" charset="-122"/>
+              </a:rPr>
+              <a:t>Contrast based Part Decoder</a:t>
+            </a:r>
+            <a:endParaRPr lang="zh-CN" altLang="en-US" sz="1600" dirty="0">
+              <a:solidFill>
+                <a:schemeClr val="tx1"/>
+              </a:solidFill>
+              <a:latin typeface="Times New Roman" panose="02020603050405020304" pitchFamily="18" charset="0"/>
+              <a:ea typeface="仿宋" panose="02010609060101010101" pitchFamily="49" charset="-122"/>
+            </a:endParaRPr>
+          </a:p>
+        </p:txBody>
+      </p:sp>
+    </p:spTree>
+    <p:extLst>
+      <p:ext uri="{BB962C8B-B14F-4D97-AF65-F5344CB8AC3E}">
+        <p14:creationId xmlns:p14="http://schemas.microsoft.com/office/powerpoint/2010/main" val="1635442448"/>
+      </p:ext>
+    </p:extLst>
+  </p:cSld>
+  <p:clrMapOvr>
+    <a:masterClrMapping/>
+  </p:clrMapOvr>
+</p:sld>
+</file>
+
+<file path=ppt/slides/slide2.xml><?xml version="1.0" encoding="utf-8"?>
 <p:sld xmlns:a="http://schemas.openxmlformats.org/drawingml/2006/main" xmlns:r="http://schemas.openxmlformats.org/officeDocument/2006/relationships" xmlns:p="http://schemas.openxmlformats.org/presentationml/2006/main">
   <p:cSld>
     <p:spTree>
@@ -18009,7 +19519,7 @@
 </p:sld>
 </file>
 
-<file path=ppt/slides/slide2.xml><?xml version="1.0" encoding="utf-8"?>
+<file path=ppt/slides/slide3.xml><?xml version="1.0" encoding="utf-8"?>
 <p:sld xmlns:a="http://schemas.openxmlformats.org/drawingml/2006/main" xmlns:r="http://schemas.openxmlformats.org/officeDocument/2006/relationships" xmlns:p="http://schemas.openxmlformats.org/presentationml/2006/main">
   <p:cSld>
     <p:spTree>
@@ -23559,7 +25069,7 @@
 </p:sld>
 </file>
 
-<file path=ppt/slides/slide3.xml><?xml version="1.0" encoding="utf-8"?>
+<file path=ppt/slides/slide4.xml><?xml version="1.0" encoding="utf-8"?>
 <p:sld xmlns:a="http://schemas.openxmlformats.org/drawingml/2006/main" xmlns:r="http://schemas.openxmlformats.org/officeDocument/2006/relationships" xmlns:p="http://schemas.openxmlformats.org/presentationml/2006/main">
   <p:cSld>
     <p:spTree>
@@ -30439,7 +31949,7 @@
 </p:sld>
 </file>
 
-<file path=ppt/slides/slide4.xml><?xml version="1.0" encoding="utf-8"?>
+<file path=ppt/slides/slide5.xml><?xml version="1.0" encoding="utf-8"?>
 <p:sld xmlns:a="http://schemas.openxmlformats.org/drawingml/2006/main" xmlns:r="http://schemas.openxmlformats.org/officeDocument/2006/relationships" xmlns:p="http://schemas.openxmlformats.org/presentationml/2006/main">
   <p:cSld>
     <p:spTree>
@@ -35185,7 +36695,7 @@
 </p:sld>
 </file>
 
-<file path=ppt/slides/slide5.xml><?xml version="1.0" encoding="utf-8"?>
+<file path=ppt/slides/slide6.xml><?xml version="1.0" encoding="utf-8"?>
 <p:sld xmlns:a="http://schemas.openxmlformats.org/drawingml/2006/main" xmlns:r="http://schemas.openxmlformats.org/officeDocument/2006/relationships" xmlns:p="http://schemas.openxmlformats.org/presentationml/2006/main">
   <p:cSld>
     <p:spTree>
@@ -39653,7 +41163,7 @@
 </p:sld>
 </file>
 
-<file path=ppt/slides/slide6.xml><?xml version="1.0" encoding="utf-8"?>
+<file path=ppt/slides/slide7.xml><?xml version="1.0" encoding="utf-8"?>
 <p:sld xmlns:a="http://schemas.openxmlformats.org/drawingml/2006/main" xmlns:r="http://schemas.openxmlformats.org/officeDocument/2006/relationships" xmlns:p="http://schemas.openxmlformats.org/presentationml/2006/main">
   <p:cSld>
     <p:spTree>
@@ -41681,8 +43191,8 @@
           </p:sp>
         </mc:Fallback>
       </mc:AlternateContent>
-      <mc:AlternateContent xmlns:mc="http://schemas.openxmlformats.org/markup-compatibility/2006">
-        <mc:Choice xmlns:a14="http://schemas.microsoft.com/office/drawing/2010/main" Requires="a14">
+      <mc:AlternateContent xmlns:mc="http://schemas.openxmlformats.org/markup-compatibility/2006" xmlns:a14="http://schemas.microsoft.com/office/drawing/2010/main">
+        <mc:Choice Requires="a14">
           <p:sp>
             <p:nvSpPr>
               <p:cNvPr id="35" name="文本框 34">
@@ -41771,7 +43281,7 @@
             </p:txBody>
           </p:sp>
         </mc:Choice>
-        <mc:Fallback>
+        <mc:Fallback xmlns="">
           <p:sp>
             <p:nvSpPr>
               <p:cNvPr id="35" name="文本框 34">
